--- a/ppt/Spring, MVC패턴, MyBatis.pptx
+++ b/ppt/Spring, MVC패턴, MyBatis.pptx
@@ -14,6 +14,7 @@
     <p:sldId id="262" r:id="rId8"/>
     <p:sldId id="264" r:id="rId9"/>
     <p:sldId id="263" r:id="rId10"/>
+    <p:sldId id="265" r:id="rId11"/>
   </p:sldIdLst>
   <p:sldSz cx="12192000" cy="6858000"/>
   <p:notesSz cx="6858000" cy="9144000"/>
@@ -112,6 +113,11 @@
       </a:defRPr>
     </a:lvl9pPr>
   </p:defaultTextStyle>
+  <p:extLst>
+    <p:ext uri="{EFAFB233-063F-42B5-8137-9DF3F51BA10A}">
+      <p15:sldGuideLst xmlns:p15="http://schemas.microsoft.com/office/powerpoint/2012/main"/>
+    </p:ext>
+  </p:extLst>
 </p:presentation>
 </file>
 
@@ -3425,6 +3431,866 @@
 </p:sld>
 </file>
 
+<file path=ppt/slides/slide10.xml><?xml version="1.0" encoding="utf-8"?>
+<p:sld xmlns:a="http://schemas.openxmlformats.org/drawingml/2006/main" xmlns:r="http://schemas.openxmlformats.org/officeDocument/2006/relationships" xmlns:p="http://schemas.openxmlformats.org/presentationml/2006/main">
+  <p:cSld>
+    <p:spTree>
+      <p:nvGrpSpPr>
+        <p:cNvPr id="1" name=""/>
+        <p:cNvGrpSpPr/>
+        <p:nvPr/>
+      </p:nvGrpSpPr>
+      <p:grpSpPr>
+        <a:xfrm>
+          <a:off x="0" y="0"/>
+          <a:ext cx="0" cy="0"/>
+          <a:chOff x="0" y="0"/>
+          <a:chExt cx="0" cy="0"/>
+        </a:xfrm>
+      </p:grpSpPr>
+      <p:sp>
+        <p:nvSpPr>
+          <p:cNvPr id="2" name="제목 1">
+            <a:extLst>
+              <a:ext uri="{FF2B5EF4-FFF2-40B4-BE49-F238E27FC236}">
+                <a16:creationId xmlns:a16="http://schemas.microsoft.com/office/drawing/2014/main" id="{C8596A2B-D8CF-4E78-94E6-14A48F3F0347}"/>
+              </a:ext>
+            </a:extLst>
+          </p:cNvPr>
+          <p:cNvSpPr>
+            <a:spLocks noGrp="1"/>
+          </p:cNvSpPr>
+          <p:nvPr>
+            <p:ph type="title"/>
+          </p:nvPr>
+        </p:nvSpPr>
+        <p:spPr/>
+        <p:txBody>
+          <a:bodyPr/>
+          <a:lstStyle/>
+          <a:p>
+            <a:r>
+              <a:rPr lang="en-US" altLang="ko-KR" dirty="0" err="1"/>
+              <a:t>MyBatis</a:t>
+            </a:r>
+            <a:r>
+              <a:rPr lang="ko-KR" altLang="en-US" dirty="0"/>
+              <a:t>의 강점</a:t>
+            </a:r>
+          </a:p>
+        </p:txBody>
+      </p:sp>
+      <p:sp>
+        <p:nvSpPr>
+          <p:cNvPr id="3" name="내용 개체 틀 2">
+            <a:extLst>
+              <a:ext uri="{FF2B5EF4-FFF2-40B4-BE49-F238E27FC236}">
+                <a16:creationId xmlns:a16="http://schemas.microsoft.com/office/drawing/2014/main" id="{1ED6FA19-FB3A-476A-A1C2-121A8FDD0D0B}"/>
+              </a:ext>
+            </a:extLst>
+          </p:cNvPr>
+          <p:cNvSpPr>
+            <a:spLocks noGrp="1"/>
+          </p:cNvSpPr>
+          <p:nvPr>
+            <p:ph idx="1"/>
+          </p:nvPr>
+        </p:nvSpPr>
+        <p:spPr>
+          <a:xfrm>
+            <a:off x="494252" y="1599122"/>
+            <a:ext cx="10515600" cy="5036570"/>
+          </a:xfrm>
+        </p:spPr>
+        <p:txBody>
+          <a:bodyPr>
+            <a:normAutofit fontScale="92500" lnSpcReduction="20000"/>
+          </a:bodyPr>
+          <a:lstStyle/>
+          <a:p>
+            <a:pPr marL="0" indent="0">
+              <a:buNone/>
+            </a:pPr>
+            <a:r>
+              <a:rPr lang="ko-KR" altLang="en-US" sz="2400" dirty="0" err="1"/>
+              <a:t>동적쿼리에</a:t>
+            </a:r>
+            <a:r>
+              <a:rPr lang="ko-KR" altLang="en-US" sz="2400" dirty="0"/>
+              <a:t> 강력하다</a:t>
+            </a:r>
+            <a:r>
+              <a:rPr lang="en-US" altLang="ko-KR" sz="2400" dirty="0"/>
+              <a:t>.</a:t>
+            </a:r>
+          </a:p>
+          <a:p>
+            <a:pPr marL="0" indent="0">
+              <a:buNone/>
+            </a:pPr>
+            <a:endParaRPr lang="en-US" altLang="ko-KR" sz="2400" dirty="0"/>
+          </a:p>
+          <a:p>
+            <a:pPr marL="0" indent="0">
+              <a:buNone/>
+            </a:pPr>
+            <a:endParaRPr lang="en-US" altLang="ko-KR" sz="2400" dirty="0"/>
+          </a:p>
+          <a:p>
+            <a:pPr marL="0" indent="0">
+              <a:buNone/>
+            </a:pPr>
+            <a:endParaRPr lang="en-US" altLang="ko-KR" sz="2400" dirty="0"/>
+          </a:p>
+          <a:p>
+            <a:pPr marL="0" indent="0">
+              <a:buNone/>
+            </a:pPr>
+            <a:endParaRPr lang="en-US" altLang="ko-KR" sz="2400" dirty="0"/>
+          </a:p>
+          <a:p>
+            <a:pPr marL="0" indent="0">
+              <a:buNone/>
+            </a:pPr>
+            <a:endParaRPr lang="en-US" altLang="ko-KR" sz="2400" dirty="0"/>
+          </a:p>
+          <a:p>
+            <a:pPr marL="0" indent="0">
+              <a:buNone/>
+            </a:pPr>
+            <a:endParaRPr lang="en-US" altLang="ko-KR" sz="2400" dirty="0"/>
+          </a:p>
+          <a:p>
+            <a:pPr marL="0" indent="0">
+              <a:buNone/>
+            </a:pPr>
+            <a:endParaRPr lang="en-US" altLang="ko-KR" sz="2400" dirty="0"/>
+          </a:p>
+          <a:p>
+            <a:pPr marL="0" indent="0">
+              <a:buNone/>
+            </a:pPr>
+            <a:endParaRPr lang="en-US" altLang="ko-KR" sz="2400" dirty="0"/>
+          </a:p>
+          <a:p>
+            <a:pPr marL="0" indent="0">
+              <a:buNone/>
+            </a:pPr>
+            <a:endParaRPr lang="en-US" altLang="ko-KR" sz="2400" dirty="0"/>
+          </a:p>
+          <a:p>
+            <a:pPr marL="0" indent="0">
+              <a:buNone/>
+            </a:pPr>
+            <a:endParaRPr lang="en-US" altLang="ko-KR" sz="2400" dirty="0"/>
+          </a:p>
+          <a:p>
+            <a:pPr marL="0" indent="0">
+              <a:buNone/>
+            </a:pPr>
+            <a:endParaRPr lang="en-US" altLang="ko-KR" sz="2400" dirty="0"/>
+          </a:p>
+          <a:p>
+            <a:pPr marL="0" indent="0">
+              <a:buNone/>
+            </a:pPr>
+            <a:endParaRPr lang="en-US" altLang="ko-KR" sz="2400" dirty="0"/>
+          </a:p>
+          <a:p>
+            <a:pPr marL="0" indent="0">
+              <a:buNone/>
+            </a:pPr>
+            <a:r>
+              <a:rPr lang="ko-KR" altLang="en-US" sz="2400" dirty="0"/>
+              <a:t>만약 조건이 모두 맞지 않다면 </a:t>
+            </a:r>
+            <a:r>
+              <a:rPr lang="en-US" altLang="ko-KR" sz="2400" dirty="0"/>
+              <a:t>if</a:t>
+            </a:r>
+            <a:r>
+              <a:rPr lang="ko-KR" altLang="en-US" sz="2400" dirty="0"/>
+              <a:t>문은 </a:t>
+            </a:r>
+            <a:r>
+              <a:rPr lang="ko-KR" altLang="en-US" sz="2400" dirty="0" err="1"/>
+              <a:t>제외되서</a:t>
+            </a:r>
+            <a:r>
+              <a:rPr lang="ko-KR" altLang="en-US" sz="2400" dirty="0"/>
+              <a:t> 리턴 될 것이다</a:t>
+            </a:r>
+            <a:r>
+              <a:rPr lang="en-US" altLang="ko-KR" sz="2400" dirty="0"/>
+              <a:t>.</a:t>
+            </a:r>
+            <a:endParaRPr lang="ko-KR" altLang="en-US" sz="2400" dirty="0"/>
+          </a:p>
+        </p:txBody>
+      </p:sp>
+      <p:sp>
+        <p:nvSpPr>
+          <p:cNvPr id="4" name="TextBox 3">
+            <a:extLst>
+              <a:ext uri="{FF2B5EF4-FFF2-40B4-BE49-F238E27FC236}">
+                <a16:creationId xmlns:a16="http://schemas.microsoft.com/office/drawing/2014/main" id="{012C149C-EA64-43B8-907F-8146715B6C44}"/>
+              </a:ext>
+            </a:extLst>
+          </p:cNvPr>
+          <p:cNvSpPr txBox="1"/>
+          <p:nvPr/>
+        </p:nvSpPr>
+        <p:spPr>
+          <a:xfrm>
+            <a:off x="411061" y="1991581"/>
+            <a:ext cx="9394972" cy="4247317"/>
+          </a:xfrm>
+          <a:prstGeom prst="rect">
+            <a:avLst/>
+          </a:prstGeom>
+          <a:solidFill>
+            <a:schemeClr val="bg2"/>
+          </a:solidFill>
+        </p:spPr>
+        <p:txBody>
+          <a:bodyPr wrap="square" rtlCol="0">
+            <a:spAutoFit/>
+          </a:bodyPr>
+          <a:lstStyle/>
+          <a:p>
+            <a:pPr algn="l"/>
+            <a:r>
+              <a:rPr lang="en-US" altLang="ko-KR" sz="1800" dirty="0">
+                <a:solidFill>
+                  <a:srgbClr val="79ABFF"/>
+                </a:solidFill>
+                <a:latin typeface="Consolas" panose="020B0609020204030204" pitchFamily="49" charset="0"/>
+              </a:rPr>
+              <a:t>&lt;</a:t>
+            </a:r>
+            <a:r>
+              <a:rPr lang="en-US" altLang="ko-KR" sz="1800" dirty="0">
+                <a:solidFill>
+                  <a:schemeClr val="accent1"/>
+                </a:solidFill>
+                <a:latin typeface="Consolas" panose="020B0609020204030204" pitchFamily="49" charset="0"/>
+              </a:rPr>
+              <a:t>select id</a:t>
+            </a:r>
+            <a:r>
+              <a:rPr lang="en-US" altLang="ko-KR" sz="1800" dirty="0">
+                <a:solidFill>
+                  <a:srgbClr val="D8D8D8"/>
+                </a:solidFill>
+                <a:latin typeface="Consolas" panose="020B0609020204030204" pitchFamily="49" charset="0"/>
+              </a:rPr>
+              <a:t>=</a:t>
+            </a:r>
+            <a:r>
+              <a:rPr lang="en-US" altLang="ko-KR" sz="1800" dirty="0">
+                <a:solidFill>
+                  <a:srgbClr val="FFC600"/>
+                </a:solidFill>
+                <a:latin typeface="Consolas" panose="020B0609020204030204" pitchFamily="49" charset="0"/>
+              </a:rPr>
+              <a:t>"</a:t>
+            </a:r>
+            <a:r>
+              <a:rPr lang="en-US" altLang="ko-KR" sz="1800" dirty="0" err="1">
+                <a:solidFill>
+                  <a:srgbClr val="FFC600"/>
+                </a:solidFill>
+                <a:latin typeface="Consolas" panose="020B0609020204030204" pitchFamily="49" charset="0"/>
+              </a:rPr>
+              <a:t>planList</a:t>
+            </a:r>
+            <a:r>
+              <a:rPr lang="en-US" altLang="ko-KR" sz="1800" dirty="0">
+                <a:solidFill>
+                  <a:srgbClr val="FFC600"/>
+                </a:solidFill>
+                <a:latin typeface="Consolas" panose="020B0609020204030204" pitchFamily="49" charset="0"/>
+              </a:rPr>
+              <a:t>" </a:t>
+            </a:r>
+            <a:r>
+              <a:rPr lang="en-US" altLang="ko-KR" sz="1800" dirty="0" err="1">
+                <a:solidFill>
+                  <a:schemeClr val="accent1"/>
+                </a:solidFill>
+                <a:latin typeface="Consolas" panose="020B0609020204030204" pitchFamily="49" charset="0"/>
+              </a:rPr>
+              <a:t>parameterType</a:t>
+            </a:r>
+            <a:r>
+              <a:rPr lang="en-US" altLang="ko-KR" sz="1800" dirty="0">
+                <a:solidFill>
+                  <a:srgbClr val="D8D8D8"/>
+                </a:solidFill>
+                <a:latin typeface="Consolas" panose="020B0609020204030204" pitchFamily="49" charset="0"/>
+              </a:rPr>
+              <a:t>=</a:t>
+            </a:r>
+            <a:r>
+              <a:rPr lang="en-US" altLang="ko-KR" sz="1800" dirty="0">
+                <a:solidFill>
+                  <a:srgbClr val="FFC600"/>
+                </a:solidFill>
+                <a:latin typeface="Consolas" panose="020B0609020204030204" pitchFamily="49" charset="0"/>
+              </a:rPr>
+              <a:t>"</a:t>
+            </a:r>
+            <a:r>
+              <a:rPr lang="en-US" altLang="ko-KR" sz="1800" dirty="0" err="1">
+                <a:solidFill>
+                  <a:srgbClr val="FFC600"/>
+                </a:solidFill>
+                <a:latin typeface="Consolas" panose="020B0609020204030204" pitchFamily="49" charset="0"/>
+              </a:rPr>
+              <a:t>hashMap</a:t>
+            </a:r>
+            <a:r>
+              <a:rPr lang="en-US" altLang="ko-KR" sz="1800" dirty="0">
+                <a:solidFill>
+                  <a:srgbClr val="FFC600"/>
+                </a:solidFill>
+                <a:latin typeface="Consolas" panose="020B0609020204030204" pitchFamily="49" charset="0"/>
+              </a:rPr>
+              <a:t>" </a:t>
+            </a:r>
+            <a:r>
+              <a:rPr lang="en-US" altLang="ko-KR" sz="1800" dirty="0" err="1">
+                <a:solidFill>
+                  <a:schemeClr val="accent1"/>
+                </a:solidFill>
+                <a:latin typeface="Consolas" panose="020B0609020204030204" pitchFamily="49" charset="0"/>
+              </a:rPr>
+              <a:t>resultType</a:t>
+            </a:r>
+            <a:r>
+              <a:rPr lang="en-US" altLang="ko-KR" sz="1800" dirty="0">
+                <a:solidFill>
+                  <a:srgbClr val="D8D8D8"/>
+                </a:solidFill>
+                <a:latin typeface="Consolas" panose="020B0609020204030204" pitchFamily="49" charset="0"/>
+              </a:rPr>
+              <a:t>=</a:t>
+            </a:r>
+            <a:r>
+              <a:rPr lang="en-US" altLang="ko-KR" sz="1800" dirty="0">
+                <a:solidFill>
+                  <a:srgbClr val="FFC600"/>
+                </a:solidFill>
+                <a:latin typeface="Consolas" panose="020B0609020204030204" pitchFamily="49" charset="0"/>
+              </a:rPr>
+              <a:t>"</a:t>
+            </a:r>
+            <a:r>
+              <a:rPr lang="en-US" altLang="ko-KR" sz="1800" dirty="0" err="1">
+                <a:solidFill>
+                  <a:srgbClr val="FFC600"/>
+                </a:solidFill>
+                <a:latin typeface="Consolas" panose="020B0609020204030204" pitchFamily="49" charset="0"/>
+              </a:rPr>
+              <a:t>com.gteam.planner.domain.PlanVO</a:t>
+            </a:r>
+            <a:r>
+              <a:rPr lang="en-US" altLang="ko-KR" sz="1800" dirty="0">
+                <a:solidFill>
+                  <a:srgbClr val="FFC600"/>
+                </a:solidFill>
+                <a:latin typeface="Consolas" panose="020B0609020204030204" pitchFamily="49" charset="0"/>
+              </a:rPr>
+              <a:t>"</a:t>
+            </a:r>
+            <a:r>
+              <a:rPr lang="en-US" altLang="ko-KR" sz="1800" dirty="0">
+                <a:solidFill>
+                  <a:srgbClr val="79ABFF"/>
+                </a:solidFill>
+                <a:latin typeface="Consolas" panose="020B0609020204030204" pitchFamily="49" charset="0"/>
+              </a:rPr>
+              <a:t>&gt;</a:t>
+            </a:r>
+          </a:p>
+          <a:p>
+            <a:pPr algn="l"/>
+            <a:r>
+              <a:rPr lang="en-US" altLang="ko-KR" sz="1800" dirty="0">
+                <a:latin typeface="Consolas" panose="020B0609020204030204" pitchFamily="49" charset="0"/>
+              </a:rPr>
+              <a:t>SELECT </a:t>
+            </a:r>
+            <a:r>
+              <a:rPr lang="en-US" altLang="ko-KR" sz="1800" dirty="0" err="1">
+                <a:latin typeface="Consolas" panose="020B0609020204030204" pitchFamily="49" charset="0"/>
+              </a:rPr>
+              <a:t>planNo</a:t>
+            </a:r>
+            <a:r>
+              <a:rPr lang="en-US" altLang="ko-KR" sz="1800" dirty="0">
+                <a:latin typeface="Consolas" panose="020B0609020204030204" pitchFamily="49" charset="0"/>
+              </a:rPr>
+              <a:t>, </a:t>
+            </a:r>
+            <a:r>
+              <a:rPr lang="en-US" altLang="ko-KR" sz="1800" dirty="0" err="1">
+                <a:latin typeface="Consolas" panose="020B0609020204030204" pitchFamily="49" charset="0"/>
+              </a:rPr>
+              <a:t>userId</a:t>
+            </a:r>
+            <a:r>
+              <a:rPr lang="en-US" altLang="ko-KR" sz="1800" dirty="0">
+                <a:latin typeface="Consolas" panose="020B0609020204030204" pitchFamily="49" charset="0"/>
+              </a:rPr>
+              <a:t>, </a:t>
+            </a:r>
+            <a:r>
+              <a:rPr lang="en-US" altLang="ko-KR" sz="1800" dirty="0" err="1">
+                <a:latin typeface="Consolas" panose="020B0609020204030204" pitchFamily="49" charset="0"/>
+              </a:rPr>
+              <a:t>planTitle</a:t>
+            </a:r>
+            <a:r>
+              <a:rPr lang="en-US" altLang="ko-KR" sz="1800" dirty="0">
+                <a:latin typeface="Consolas" panose="020B0609020204030204" pitchFamily="49" charset="0"/>
+              </a:rPr>
+              <a:t>, </a:t>
+            </a:r>
+            <a:r>
+              <a:rPr lang="en-US" altLang="ko-KR" sz="1800" dirty="0" err="1">
+                <a:latin typeface="Consolas" panose="020B0609020204030204" pitchFamily="49" charset="0"/>
+              </a:rPr>
+              <a:t>startDate</a:t>
+            </a:r>
+            <a:r>
+              <a:rPr lang="en-US" altLang="ko-KR" sz="1800" dirty="0">
+                <a:latin typeface="Consolas" panose="020B0609020204030204" pitchFamily="49" charset="0"/>
+              </a:rPr>
+              <a:t>, </a:t>
+            </a:r>
+            <a:r>
+              <a:rPr lang="en-US" altLang="ko-KR" sz="1800" dirty="0" err="1">
+                <a:latin typeface="Consolas" panose="020B0609020204030204" pitchFamily="49" charset="0"/>
+              </a:rPr>
+              <a:t>planTotalDay</a:t>
+            </a:r>
+            <a:r>
+              <a:rPr lang="en-US" altLang="ko-KR" sz="1800" dirty="0">
+                <a:latin typeface="Consolas" panose="020B0609020204030204" pitchFamily="49" charset="0"/>
+              </a:rPr>
+              <a:t>, </a:t>
+            </a:r>
+            <a:r>
+              <a:rPr lang="en-US" altLang="ko-KR" sz="1800" dirty="0" err="1">
+                <a:latin typeface="Consolas" panose="020B0609020204030204" pitchFamily="49" charset="0"/>
+              </a:rPr>
+              <a:t>regDate</a:t>
+            </a:r>
+            <a:r>
+              <a:rPr lang="en-US" altLang="ko-KR" sz="1800" dirty="0">
+                <a:latin typeface="Consolas" panose="020B0609020204030204" pitchFamily="49" charset="0"/>
+              </a:rPr>
+              <a:t> </a:t>
+            </a:r>
+          </a:p>
+          <a:p>
+            <a:pPr algn="l"/>
+            <a:r>
+              <a:rPr lang="en-US" altLang="ko-KR" sz="1800" dirty="0">
+                <a:latin typeface="Consolas" panose="020B0609020204030204" pitchFamily="49" charset="0"/>
+              </a:rPr>
+              <a:t> FROM plan</a:t>
+            </a:r>
+          </a:p>
+          <a:p>
+            <a:pPr algn="l"/>
+            <a:endParaRPr lang="en-US" altLang="ko-KR" sz="1800" dirty="0">
+              <a:latin typeface="Consolas" panose="020B0609020204030204" pitchFamily="49" charset="0"/>
+            </a:endParaRPr>
+          </a:p>
+          <a:p>
+            <a:pPr algn="l"/>
+            <a:r>
+              <a:rPr lang="en-US" altLang="ko-KR" sz="1800" dirty="0">
+                <a:solidFill>
+                  <a:srgbClr val="79ABFF"/>
+                </a:solidFill>
+                <a:latin typeface="Consolas" panose="020B0609020204030204" pitchFamily="49" charset="0"/>
+              </a:rPr>
+              <a:t>&lt;</a:t>
+            </a:r>
+            <a:r>
+              <a:rPr lang="en-US" altLang="ko-KR" sz="1800" dirty="0">
+                <a:solidFill>
+                  <a:schemeClr val="accent1"/>
+                </a:solidFill>
+                <a:latin typeface="Consolas" panose="020B0609020204030204" pitchFamily="49" charset="0"/>
+              </a:rPr>
+              <a:t>if test</a:t>
+            </a:r>
+            <a:r>
+              <a:rPr lang="en-US" altLang="ko-KR" sz="1800" dirty="0">
+                <a:solidFill>
+                  <a:srgbClr val="D8D8D8"/>
+                </a:solidFill>
+                <a:latin typeface="Consolas" panose="020B0609020204030204" pitchFamily="49" charset="0"/>
+              </a:rPr>
+              <a:t>=</a:t>
+            </a:r>
+            <a:r>
+              <a:rPr lang="en-US" altLang="ko-KR" sz="1800" dirty="0">
+                <a:solidFill>
+                  <a:srgbClr val="FFC600"/>
+                </a:solidFill>
+                <a:latin typeface="Consolas" panose="020B0609020204030204" pitchFamily="49" charset="0"/>
+              </a:rPr>
+              <a:t>'</a:t>
+            </a:r>
+            <a:r>
+              <a:rPr lang="en-US" altLang="ko-KR" sz="1800" dirty="0" err="1">
+                <a:solidFill>
+                  <a:srgbClr val="FFC600"/>
+                </a:solidFill>
+                <a:latin typeface="Consolas" panose="020B0609020204030204" pitchFamily="49" charset="0"/>
+              </a:rPr>
+              <a:t>searchType.equals</a:t>
+            </a:r>
+            <a:r>
+              <a:rPr lang="en-US" altLang="ko-KR" sz="1800" dirty="0">
+                <a:solidFill>
+                  <a:srgbClr val="FFC600"/>
+                </a:solidFill>
+                <a:latin typeface="Consolas" panose="020B0609020204030204" pitchFamily="49" charset="0"/>
+              </a:rPr>
+              <a:t>("</a:t>
+            </a:r>
+            <a:r>
+              <a:rPr lang="en-US" altLang="ko-KR" sz="1800" dirty="0" err="1">
+                <a:solidFill>
+                  <a:srgbClr val="FFC600"/>
+                </a:solidFill>
+                <a:latin typeface="Consolas" panose="020B0609020204030204" pitchFamily="49" charset="0"/>
+              </a:rPr>
+              <a:t>planTitle</a:t>
+            </a:r>
+            <a:r>
+              <a:rPr lang="en-US" altLang="ko-KR" sz="1800" dirty="0">
+                <a:solidFill>
+                  <a:srgbClr val="FFC600"/>
+                </a:solidFill>
+                <a:latin typeface="Consolas" panose="020B0609020204030204" pitchFamily="49" charset="0"/>
+              </a:rPr>
+              <a:t>")'</a:t>
+            </a:r>
+            <a:r>
+              <a:rPr lang="en-US" altLang="ko-KR" sz="1800" dirty="0">
+                <a:solidFill>
+                  <a:srgbClr val="79ABFF"/>
+                </a:solidFill>
+                <a:latin typeface="Consolas" panose="020B0609020204030204" pitchFamily="49" charset="0"/>
+              </a:rPr>
+              <a:t>&gt;</a:t>
+            </a:r>
+          </a:p>
+          <a:p>
+            <a:pPr algn="l"/>
+            <a:r>
+              <a:rPr lang="en-US" altLang="ko-KR" sz="1800" dirty="0">
+                <a:latin typeface="Consolas" panose="020B0609020204030204" pitchFamily="49" charset="0"/>
+              </a:rPr>
+              <a:t>WHERE </a:t>
+            </a:r>
+            <a:r>
+              <a:rPr lang="en-US" altLang="ko-KR" sz="1800" dirty="0" err="1">
+                <a:latin typeface="Consolas" panose="020B0609020204030204" pitchFamily="49" charset="0"/>
+              </a:rPr>
+              <a:t>planTitle</a:t>
+            </a:r>
+            <a:r>
+              <a:rPr lang="en-US" altLang="ko-KR" sz="1800" dirty="0">
+                <a:latin typeface="Consolas" panose="020B0609020204030204" pitchFamily="49" charset="0"/>
+              </a:rPr>
+              <a:t> LIKE </a:t>
+            </a:r>
+            <a:r>
+              <a:rPr lang="en-US" altLang="ko-KR" sz="1800" u="sng" dirty="0" err="1">
+                <a:latin typeface="Consolas" panose="020B0609020204030204" pitchFamily="49" charset="0"/>
+              </a:rPr>
+              <a:t>concat</a:t>
+            </a:r>
+            <a:r>
+              <a:rPr lang="en-US" altLang="ko-KR" sz="1800" u="sng" dirty="0">
+                <a:latin typeface="Consolas" panose="020B0609020204030204" pitchFamily="49" charset="0"/>
+              </a:rPr>
+              <a:t>('%', #{keyword}, '%')</a:t>
+            </a:r>
+          </a:p>
+          <a:p>
+            <a:pPr algn="l"/>
+            <a:r>
+              <a:rPr lang="en-US" altLang="ko-KR" sz="1800" dirty="0">
+                <a:solidFill>
+                  <a:srgbClr val="79ABFF"/>
+                </a:solidFill>
+                <a:latin typeface="Consolas" panose="020B0609020204030204" pitchFamily="49" charset="0"/>
+              </a:rPr>
+              <a:t>&lt;/</a:t>
+            </a:r>
+            <a:r>
+              <a:rPr lang="en-US" altLang="ko-KR" sz="1800" dirty="0">
+                <a:solidFill>
+                  <a:schemeClr val="accent1"/>
+                </a:solidFill>
+                <a:latin typeface="Consolas" panose="020B0609020204030204" pitchFamily="49" charset="0"/>
+              </a:rPr>
+              <a:t>if</a:t>
+            </a:r>
+            <a:r>
+              <a:rPr lang="en-US" altLang="ko-KR" sz="1800" dirty="0">
+                <a:solidFill>
+                  <a:srgbClr val="79ABFF"/>
+                </a:solidFill>
+                <a:latin typeface="Consolas" panose="020B0609020204030204" pitchFamily="49" charset="0"/>
+              </a:rPr>
+              <a:t>&gt;</a:t>
+            </a:r>
+          </a:p>
+          <a:p>
+            <a:pPr algn="l"/>
+            <a:r>
+              <a:rPr lang="ko-KR" altLang="en-US" sz="1800" dirty="0">
+                <a:solidFill>
+                  <a:srgbClr val="D8D8D8"/>
+                </a:solidFill>
+                <a:latin typeface="Consolas" panose="020B0609020204030204" pitchFamily="49" charset="0"/>
+              </a:rPr>
+              <a:t> </a:t>
+            </a:r>
+          </a:p>
+          <a:p>
+            <a:pPr algn="l"/>
+            <a:r>
+              <a:rPr lang="en-US" altLang="ko-KR" sz="1800" dirty="0">
+                <a:solidFill>
+                  <a:srgbClr val="79ABFF"/>
+                </a:solidFill>
+                <a:latin typeface="Consolas" panose="020B0609020204030204" pitchFamily="49" charset="0"/>
+              </a:rPr>
+              <a:t>&lt;</a:t>
+            </a:r>
+            <a:r>
+              <a:rPr lang="en-US" altLang="ko-KR" sz="1800" dirty="0">
+                <a:solidFill>
+                  <a:schemeClr val="accent1"/>
+                </a:solidFill>
+                <a:latin typeface="Consolas" panose="020B0609020204030204" pitchFamily="49" charset="0"/>
+              </a:rPr>
+              <a:t>if test</a:t>
+            </a:r>
+            <a:r>
+              <a:rPr lang="en-US" altLang="ko-KR" sz="1800" dirty="0">
+                <a:solidFill>
+                  <a:srgbClr val="D8D8D8"/>
+                </a:solidFill>
+                <a:latin typeface="Consolas" panose="020B0609020204030204" pitchFamily="49" charset="0"/>
+              </a:rPr>
+              <a:t>=</a:t>
+            </a:r>
+            <a:r>
+              <a:rPr lang="en-US" altLang="ko-KR" sz="1800" dirty="0">
+                <a:solidFill>
+                  <a:srgbClr val="FFC600"/>
+                </a:solidFill>
+                <a:latin typeface="Consolas" panose="020B0609020204030204" pitchFamily="49" charset="0"/>
+              </a:rPr>
+              <a:t>'</a:t>
+            </a:r>
+            <a:r>
+              <a:rPr lang="en-US" altLang="ko-KR" sz="1800" dirty="0" err="1">
+                <a:solidFill>
+                  <a:srgbClr val="FFC600"/>
+                </a:solidFill>
+                <a:latin typeface="Consolas" panose="020B0609020204030204" pitchFamily="49" charset="0"/>
+              </a:rPr>
+              <a:t>searchType.equals</a:t>
+            </a:r>
+            <a:r>
+              <a:rPr lang="en-US" altLang="ko-KR" sz="1800" dirty="0">
+                <a:solidFill>
+                  <a:srgbClr val="FFC600"/>
+                </a:solidFill>
+                <a:latin typeface="Consolas" panose="020B0609020204030204" pitchFamily="49" charset="0"/>
+              </a:rPr>
+              <a:t>("</a:t>
+            </a:r>
+            <a:r>
+              <a:rPr lang="en-US" altLang="ko-KR" sz="1800" dirty="0" err="1">
+                <a:solidFill>
+                  <a:srgbClr val="FFC600"/>
+                </a:solidFill>
+                <a:latin typeface="Consolas" panose="020B0609020204030204" pitchFamily="49" charset="0"/>
+              </a:rPr>
+              <a:t>userId</a:t>
+            </a:r>
+            <a:r>
+              <a:rPr lang="en-US" altLang="ko-KR" sz="1800" dirty="0">
+                <a:solidFill>
+                  <a:srgbClr val="FFC600"/>
+                </a:solidFill>
+                <a:latin typeface="Consolas" panose="020B0609020204030204" pitchFamily="49" charset="0"/>
+              </a:rPr>
+              <a:t>")'</a:t>
+            </a:r>
+            <a:r>
+              <a:rPr lang="en-US" altLang="ko-KR" sz="1800" dirty="0">
+                <a:solidFill>
+                  <a:srgbClr val="79ABFF"/>
+                </a:solidFill>
+                <a:latin typeface="Consolas" panose="020B0609020204030204" pitchFamily="49" charset="0"/>
+              </a:rPr>
+              <a:t>&gt;</a:t>
+            </a:r>
+          </a:p>
+          <a:p>
+            <a:pPr algn="l"/>
+            <a:r>
+              <a:rPr lang="en-US" altLang="ko-KR" sz="1800" dirty="0">
+                <a:latin typeface="Consolas" panose="020B0609020204030204" pitchFamily="49" charset="0"/>
+              </a:rPr>
+              <a:t>WHERE </a:t>
+            </a:r>
+            <a:r>
+              <a:rPr lang="en-US" altLang="ko-KR" sz="1800" dirty="0" err="1">
+                <a:latin typeface="Consolas" panose="020B0609020204030204" pitchFamily="49" charset="0"/>
+              </a:rPr>
+              <a:t>userId</a:t>
+            </a:r>
+            <a:r>
+              <a:rPr lang="en-US" altLang="ko-KR" sz="1800" dirty="0">
+                <a:latin typeface="Consolas" panose="020B0609020204030204" pitchFamily="49" charset="0"/>
+              </a:rPr>
+              <a:t> LIKE </a:t>
+            </a:r>
+            <a:r>
+              <a:rPr lang="en-US" altLang="ko-KR" sz="1800" u="sng" dirty="0" err="1">
+                <a:latin typeface="Consolas" panose="020B0609020204030204" pitchFamily="49" charset="0"/>
+              </a:rPr>
+              <a:t>concat</a:t>
+            </a:r>
+            <a:r>
+              <a:rPr lang="en-US" altLang="ko-KR" sz="1800" u="sng" dirty="0">
+                <a:latin typeface="Consolas" panose="020B0609020204030204" pitchFamily="49" charset="0"/>
+              </a:rPr>
+              <a:t>('%', #{keyword}, '%')</a:t>
+            </a:r>
+          </a:p>
+          <a:p>
+            <a:pPr algn="l"/>
+            <a:r>
+              <a:rPr lang="en-US" altLang="ko-KR" sz="1800" dirty="0">
+                <a:solidFill>
+                  <a:srgbClr val="79ABFF"/>
+                </a:solidFill>
+                <a:latin typeface="Consolas" panose="020B0609020204030204" pitchFamily="49" charset="0"/>
+              </a:rPr>
+              <a:t>&lt;/</a:t>
+            </a:r>
+            <a:r>
+              <a:rPr lang="en-US" altLang="ko-KR" sz="1800" dirty="0">
+                <a:solidFill>
+                  <a:schemeClr val="accent1"/>
+                </a:solidFill>
+                <a:latin typeface="Consolas" panose="020B0609020204030204" pitchFamily="49" charset="0"/>
+              </a:rPr>
+              <a:t>if</a:t>
+            </a:r>
+            <a:r>
+              <a:rPr lang="en-US" altLang="ko-KR" sz="1800" dirty="0">
+                <a:solidFill>
+                  <a:srgbClr val="79ABFF"/>
+                </a:solidFill>
+                <a:latin typeface="Consolas" panose="020B0609020204030204" pitchFamily="49" charset="0"/>
+              </a:rPr>
+              <a:t>&gt;</a:t>
+            </a:r>
+          </a:p>
+          <a:p>
+            <a:pPr algn="l"/>
+            <a:r>
+              <a:rPr lang="en-US" altLang="ko-KR" sz="1800" dirty="0">
+                <a:latin typeface="Consolas" panose="020B0609020204030204" pitchFamily="49" charset="0"/>
+              </a:rPr>
+              <a:t>  ORDER BY </a:t>
+            </a:r>
+            <a:r>
+              <a:rPr lang="en-US" altLang="ko-KR" sz="1800" dirty="0" err="1">
+                <a:latin typeface="Consolas" panose="020B0609020204030204" pitchFamily="49" charset="0"/>
+              </a:rPr>
+              <a:t>planNo</a:t>
+            </a:r>
+            <a:r>
+              <a:rPr lang="en-US" altLang="ko-KR" sz="1800" dirty="0">
+                <a:latin typeface="Consolas" panose="020B0609020204030204" pitchFamily="49" charset="0"/>
+              </a:rPr>
+              <a:t> DESC</a:t>
+            </a:r>
+          </a:p>
+          <a:p>
+            <a:pPr algn="l"/>
+            <a:r>
+              <a:rPr lang="en-US" altLang="ko-KR" sz="1800" dirty="0">
+                <a:latin typeface="Consolas" panose="020B0609020204030204" pitchFamily="49" charset="0"/>
+              </a:rPr>
+              <a:t>   limit #{displayPost}, #{postNum}</a:t>
+            </a:r>
+          </a:p>
+          <a:p>
+            <a:pPr algn="l"/>
+            <a:r>
+              <a:rPr lang="en-US" altLang="ko-KR" sz="1800" dirty="0">
+                <a:solidFill>
+                  <a:srgbClr val="79ABFF"/>
+                </a:solidFill>
+                <a:latin typeface="Consolas" panose="020B0609020204030204" pitchFamily="49" charset="0"/>
+              </a:rPr>
+              <a:t>&lt;/</a:t>
+            </a:r>
+            <a:r>
+              <a:rPr lang="en-US" altLang="ko-KR" sz="1800" dirty="0">
+                <a:solidFill>
+                  <a:schemeClr val="accent1"/>
+                </a:solidFill>
+                <a:latin typeface="Consolas" panose="020B0609020204030204" pitchFamily="49" charset="0"/>
+              </a:rPr>
+              <a:t>select</a:t>
+            </a:r>
+            <a:r>
+              <a:rPr lang="en-US" altLang="ko-KR" sz="1800" dirty="0">
+                <a:solidFill>
+                  <a:srgbClr val="79ABFF"/>
+                </a:solidFill>
+                <a:latin typeface="Consolas" panose="020B0609020204030204" pitchFamily="49" charset="0"/>
+              </a:rPr>
+              <a:t>&gt;</a:t>
+            </a:r>
+            <a:endParaRPr lang="ko-KR" altLang="en-US" dirty="0"/>
+          </a:p>
+        </p:txBody>
+      </p:sp>
+    </p:spTree>
+    <p:extLst>
+      <p:ext uri="{BB962C8B-B14F-4D97-AF65-F5344CB8AC3E}">
+        <p14:creationId xmlns:p14="http://schemas.microsoft.com/office/powerpoint/2010/main" val="3057647068"/>
+      </p:ext>
+    </p:extLst>
+  </p:cSld>
+  <p:clrMapOvr>
+    <a:masterClrMapping/>
+  </p:clrMapOvr>
+</p:sld>
+</file>
+
 <file path=ppt/slides/slide2.xml><?xml version="1.0" encoding="utf-8"?>
 <p:sld xmlns:a="http://schemas.openxmlformats.org/drawingml/2006/main" xmlns:r="http://schemas.openxmlformats.org/officeDocument/2006/relationships" xmlns:p="http://schemas.openxmlformats.org/presentationml/2006/main">
   <p:cSld>
@@ -3493,7 +4359,7 @@
           <a:p>
             <a:r>
               <a:rPr lang="ko-KR" altLang="en-US" dirty="0"/>
-              <a:t>스프링의 탄생</a:t>
+              <a:t>스프링에 대해</a:t>
             </a:r>
             <a:endParaRPr lang="en-US" altLang="ko-KR" dirty="0"/>
           </a:p>
@@ -3610,7 +4476,7 @@
             </a:pPr>
             <a:r>
               <a:rPr lang="ko-KR" altLang="en-US" dirty="0"/>
-              <a:t>자바코드가 지닌 객체지향의 장점</a:t>
+              <a:t>자바코드에서 객체지향의 강점</a:t>
             </a:r>
             <a:endParaRPr lang="en-US" altLang="ko-KR" dirty="0"/>
           </a:p>
@@ -4152,7 +5018,7 @@
             </a:r>
             <a:r>
               <a:rPr lang="ko-KR" altLang="en-US" dirty="0"/>
-              <a:t>라는 인터페이스에 상속받아 만들었기에 가능해진다</a:t>
+              <a:t>라는 인터페이스에 상속받아 만들었기에 이런 변경이 가능해진다</a:t>
             </a:r>
             <a:r>
               <a:rPr lang="en-US" altLang="ko-KR" dirty="0"/>
@@ -4806,7 +5672,7 @@
             </a:r>
             <a:r>
               <a:rPr lang="ko-KR" altLang="en-US" dirty="0"/>
-              <a:t>어떤 배우가 역할을 맡든 연극에 지장이 없어야 함</a:t>
+              <a:t>어떤 배우가 역할을 맡든 연극진행에는 지장이 없어야 함</a:t>
             </a:r>
             <a:r>
               <a:rPr lang="en-US" altLang="ko-KR" dirty="0"/>
@@ -4816,12 +5682,33 @@
           <a:p>
             <a:r>
               <a:rPr lang="ko-KR" altLang="en-US" dirty="0"/>
-              <a:t>지금 코드는 특정 배우를 지목하고 있는 형태가 됨</a:t>
+              <a:t>왼 코드는 특정 배우에 지목</a:t>
             </a:r>
             <a:r>
               <a:rPr lang="en-US" altLang="ko-KR" dirty="0"/>
-              <a:t>.</a:t>
-            </a:r>
+              <a:t>(</a:t>
+            </a:r>
+            <a:r>
+              <a:rPr lang="ko-KR" altLang="en-US" dirty="0"/>
+              <a:t>의존</a:t>
+            </a:r>
+            <a:r>
+              <a:rPr lang="en-US" altLang="ko-KR" dirty="0"/>
+              <a:t>)</a:t>
+            </a:r>
+            <a:r>
+              <a:rPr lang="ko-KR" altLang="en-US" dirty="0"/>
+              <a:t>하고 있는</a:t>
+            </a:r>
+            <a:r>
+              <a:rPr lang="en-US" altLang="ko-KR" dirty="0"/>
+              <a:t> </a:t>
+            </a:r>
+            <a:r>
+              <a:rPr lang="ko-KR" altLang="en-US" dirty="0"/>
+              <a:t>형태</a:t>
+            </a:r>
+            <a:endParaRPr lang="en-US" altLang="ko-KR" dirty="0"/>
           </a:p>
           <a:p>
             <a:endParaRPr lang="en-US" altLang="ko-KR" dirty="0"/>
@@ -5086,7 +5973,113 @@
                 <a:latin typeface="Arial Unicode MS"/>
                 <a:ea typeface="Menlo"/>
               </a:rPr>
-              <a:t>;</a:t>
+              <a:t>;  </a:t>
+            </a:r>
+            <a:r>
+              <a:rPr kumimoji="0" lang="en-US" altLang="ko-KR" sz="1800" b="0" i="0" u="none" strike="noStrike" cap="none" normalizeH="0" baseline="0" dirty="0">
+                <a:ln>
+                  <a:noFill/>
+                </a:ln>
+                <a:solidFill>
+                  <a:schemeClr val="accent6"/>
+                </a:solidFill>
+                <a:effectLst/>
+                <a:latin typeface="Arial Unicode MS"/>
+                <a:ea typeface="Menlo"/>
+              </a:rPr>
+              <a:t>// = new </a:t>
+            </a:r>
+            <a:r>
+              <a:rPr kumimoji="0" lang="en-US" altLang="ko-KR" sz="1800" b="0" i="0" u="none" strike="noStrike" cap="none" normalizeH="0" baseline="0" dirty="0" err="1">
+                <a:ln>
+                  <a:noFill/>
+                </a:ln>
+                <a:solidFill>
+                  <a:schemeClr val="accent6"/>
+                </a:solidFill>
+                <a:effectLst/>
+                <a:latin typeface="Arial Unicode MS"/>
+                <a:ea typeface="Menlo"/>
+              </a:rPr>
+              <a:t>ElectricCar</a:t>
+            </a:r>
+            <a:r>
+              <a:rPr kumimoji="0" lang="en-US" altLang="ko-KR" sz="1800" b="0" i="0" u="none" strike="noStrike" cap="none" normalizeH="0" baseline="0" dirty="0">
+                <a:ln>
+                  <a:noFill/>
+                </a:ln>
+                <a:solidFill>
+                  <a:schemeClr val="accent6"/>
+                </a:solidFill>
+                <a:effectLst/>
+                <a:latin typeface="Arial Unicode MS"/>
+                <a:ea typeface="Menlo"/>
+              </a:rPr>
+              <a:t>();</a:t>
+            </a:r>
+            <a:endParaRPr lang="en-US" altLang="ko-KR" dirty="0">
+              <a:solidFill>
+                <a:schemeClr val="accent6"/>
+              </a:solidFill>
+              <a:latin typeface="Arial Unicode MS"/>
+              <a:ea typeface="Menlo"/>
+            </a:endParaRPr>
+          </a:p>
+          <a:p>
+            <a:r>
+              <a:rPr kumimoji="0" lang="en-US" altLang="ko-KR" sz="1800" b="0" i="0" u="none" strike="noStrike" cap="none" normalizeH="0" baseline="0" dirty="0">
+                <a:ln>
+                  <a:noFill/>
+                </a:ln>
+                <a:solidFill>
+                  <a:schemeClr val="accent6"/>
+                </a:solidFill>
+                <a:effectLst/>
+                <a:latin typeface="Arial Unicode MS"/>
+                <a:ea typeface="Menlo"/>
+              </a:rPr>
+              <a:t>                   </a:t>
+            </a:r>
+            <a:r>
+              <a:rPr kumimoji="0" lang="ko-KR" altLang="en-US" sz="1800" b="0" i="0" u="none" strike="noStrike" cap="none" normalizeH="0" baseline="0" dirty="0">
+                <a:ln>
+                  <a:noFill/>
+                </a:ln>
+                <a:solidFill>
+                  <a:schemeClr val="accent6"/>
+                </a:solidFill>
+                <a:effectLst/>
+                <a:latin typeface="Arial Unicode MS"/>
+                <a:ea typeface="Menlo"/>
+              </a:rPr>
+              <a:t>실행시점에 대입됨</a:t>
+            </a:r>
+            <a:endParaRPr kumimoji="0" lang="en-US" altLang="ko-KR" sz="1800" b="0" i="0" u="none" strike="noStrike" cap="none" normalizeH="0" baseline="0" dirty="0">
+              <a:ln>
+                <a:noFill/>
+              </a:ln>
+              <a:solidFill>
+                <a:schemeClr val="accent6"/>
+              </a:solidFill>
+              <a:effectLst/>
+              <a:latin typeface="Arial Unicode MS"/>
+              <a:ea typeface="Menlo"/>
+            </a:endParaRPr>
+          </a:p>
+          <a:p>
+            <a:r>
+              <a:rPr kumimoji="0" lang="en-US" altLang="ko-KR" sz="1800" b="0" i="0" u="none" strike="noStrike" cap="none" normalizeH="0" baseline="0" dirty="0">
+                <a:ln>
+                  <a:noFill/>
+                </a:ln>
+                <a:solidFill>
+                  <a:schemeClr val="accent6"/>
+                </a:solidFill>
+                <a:effectLst/>
+                <a:latin typeface="Arial Unicode MS"/>
+                <a:ea typeface="Menlo"/>
+              </a:rPr>
+              <a:t> </a:t>
             </a:r>
             <a:br>
               <a:rPr kumimoji="0" lang="en-US" altLang="ko-KR" sz="1800" b="0" i="0" u="none" strike="noStrike" cap="none" normalizeH="0" baseline="0" dirty="0">
@@ -5104,7 +6097,24 @@
                 <a:ea typeface="Menlo"/>
               </a:rPr>
             </a:br>
-            <a:br>
+            <a:r>
+              <a:rPr kumimoji="0" lang="en-US" altLang="ko-KR" sz="1800" b="0" i="0" u="none" strike="noStrike" cap="none" normalizeH="0" baseline="0" dirty="0" err="1">
+                <a:ln>
+                  <a:noFill/>
+                </a:ln>
+                <a:solidFill>
+                  <a:schemeClr val="tx1">
+                    <a:lumMod val="85000"/>
+                    <a:lumOff val="15000"/>
+                  </a:schemeClr>
+                </a:solidFill>
+                <a:effectLst/>
+                <a:latin typeface="Arial Unicode MS"/>
+                <a:ea typeface="Menlo"/>
+              </a:rPr>
+              <a:t>car.parking</a:t>
+            </a:r>
+            <a:r>
               <a:rPr kumimoji="0" lang="en-US" altLang="ko-KR" sz="1800" b="0" i="0" u="none" strike="noStrike" cap="none" normalizeH="0" baseline="0" dirty="0">
                 <a:ln>
                   <a:noFill/>
@@ -5119,43 +6129,8 @@
                 <a:latin typeface="Arial Unicode MS"/>
                 <a:ea typeface="Menlo"/>
               </a:rPr>
-            </a:br>
-            <a:r>
-              <a:rPr kumimoji="0" lang="en-US" altLang="ko-KR" sz="1800" b="0" i="0" u="none" strike="noStrike" cap="none" normalizeH="0" baseline="0" dirty="0" err="1">
-                <a:ln>
-                  <a:noFill/>
-                </a:ln>
-                <a:solidFill>
-                  <a:schemeClr val="tx1">
-                    <a:lumMod val="85000"/>
-                    <a:lumOff val="15000"/>
-                  </a:schemeClr>
-                </a:solidFill>
-                <a:effectLst/>
-                <a:latin typeface="Arial Unicode MS"/>
-                <a:ea typeface="Menlo"/>
-              </a:rPr>
-              <a:t>car.parking</a:t>
-            </a:r>
-            <a:r>
-              <a:rPr kumimoji="0" lang="en-US" altLang="ko-KR" sz="1800" b="0" i="0" u="none" strike="noStrike" cap="none" normalizeH="0" baseline="0" dirty="0">
-                <a:ln>
-                  <a:noFill/>
-                </a:ln>
-                <a:solidFill>
-                  <a:schemeClr val="tx1">
-                    <a:lumMod val="85000"/>
-                    <a:lumOff val="15000"/>
-                  </a:schemeClr>
-                </a:solidFill>
-                <a:effectLst/>
-                <a:latin typeface="Arial Unicode MS"/>
-                <a:ea typeface="Menlo"/>
-              </a:rPr>
               <a:t>();</a:t>
             </a:r>
-          </a:p>
-          <a:p>
             <a:br>
               <a:rPr kumimoji="0" lang="en-US" altLang="ko-KR" sz="1800" b="0" i="0" u="none" strike="noStrike" cap="none" normalizeH="0" baseline="0" dirty="0">
                 <a:ln>
@@ -5575,7 +6550,7 @@
             </a:r>
             <a:r>
               <a:rPr lang="ko-KR" altLang="en-US" dirty="0"/>
-              <a:t>패턴은 객체지향설계에 적용되는 디자인 패턴</a:t>
+              <a:t>패턴은 객체지향설계를 위해 적용되는 디자인 패턴</a:t>
             </a:r>
             <a:endParaRPr lang="en-US" altLang="ko-KR" dirty="0"/>
           </a:p>
@@ -5729,7 +6704,7 @@
               <a:buNone/>
             </a:pPr>
             <a:r>
-              <a:rPr lang="en-US" altLang="ko-KR"/>
+              <a:rPr lang="en-US" altLang="ko-KR" dirty="0"/>
               <a:t>                                                (</a:t>
             </a:r>
             <a:r>
@@ -5827,8 +6802,165 @@
         </p:nvSpPr>
         <p:spPr/>
         <p:txBody>
-          <a:bodyPr/>
+          <a:bodyPr>
+            <a:normAutofit fontScale="92500" lnSpcReduction="10000"/>
+          </a:bodyPr>
           <a:lstStyle/>
+          <a:p>
+            <a:pPr marL="0" indent="0">
+              <a:buNone/>
+            </a:pPr>
+            <a:r>
+              <a:rPr lang="en-US" altLang="ko-KR" dirty="0"/>
+              <a:t>DAO (Repository) : DB</a:t>
+            </a:r>
+            <a:r>
+              <a:rPr lang="ko-KR" altLang="en-US" dirty="0"/>
+              <a:t>에 접근하는 계층</a:t>
+            </a:r>
+            <a:r>
+              <a:rPr lang="en-US" altLang="ko-KR" dirty="0"/>
+              <a:t>, </a:t>
+            </a:r>
+            <a:r>
+              <a:rPr lang="en-US" altLang="ko-KR" dirty="0" err="1"/>
+              <a:t>MyBatis</a:t>
+            </a:r>
+            <a:r>
+              <a:rPr lang="en-US" altLang="ko-KR" dirty="0"/>
+              <a:t>, JPA </a:t>
+            </a:r>
+            <a:r>
+              <a:rPr lang="ko-KR" altLang="en-US" dirty="0"/>
+              <a:t>등과 연계하여 </a:t>
+            </a:r>
+            <a:r>
+              <a:rPr lang="en-US" altLang="ko-KR" dirty="0"/>
+              <a:t>DB</a:t>
+            </a:r>
+            <a:r>
+              <a:rPr lang="ko-KR" altLang="en-US" dirty="0"/>
+              <a:t>에 데이터를 요청하고 </a:t>
+            </a:r>
+            <a:r>
+              <a:rPr lang="en-US" altLang="ko-KR" dirty="0"/>
+              <a:t>DB</a:t>
+            </a:r>
+            <a:r>
+              <a:rPr lang="ko-KR" altLang="en-US" dirty="0"/>
+              <a:t>의 값을 자바 형태로 </a:t>
+            </a:r>
+            <a:r>
+              <a:rPr lang="ko-KR" altLang="en-US" dirty="0" err="1"/>
+              <a:t>바꾸어준다</a:t>
+            </a:r>
+            <a:r>
+              <a:rPr lang="en-US" altLang="ko-KR" dirty="0"/>
+              <a:t>.</a:t>
+            </a:r>
+          </a:p>
+          <a:p>
+            <a:pPr marL="0" indent="0">
+              <a:buNone/>
+            </a:pPr>
+            <a:endParaRPr lang="en-US" altLang="ko-KR" dirty="0"/>
+          </a:p>
+          <a:p>
+            <a:pPr marL="0" indent="0">
+              <a:buNone/>
+            </a:pPr>
+            <a:r>
+              <a:rPr lang="en-US" altLang="ko-KR" dirty="0"/>
+              <a:t>Service : DAO</a:t>
+            </a:r>
+            <a:r>
+              <a:rPr lang="ko-KR" altLang="en-US" dirty="0"/>
+              <a:t>에서 받은 값을 처리하는 </a:t>
+            </a:r>
+            <a:r>
+              <a:rPr lang="ko-KR" altLang="en-US" dirty="0" err="1"/>
+              <a:t>로직단</a:t>
+            </a:r>
+            <a:endParaRPr lang="en-US" altLang="ko-KR" dirty="0"/>
+          </a:p>
+          <a:p>
+            <a:pPr marL="0" indent="0">
+              <a:buNone/>
+            </a:pPr>
+            <a:endParaRPr lang="en-US" altLang="ko-KR" dirty="0"/>
+          </a:p>
+          <a:p>
+            <a:pPr marL="0" indent="0">
+              <a:buNone/>
+            </a:pPr>
+            <a:r>
+              <a:rPr lang="en-US" altLang="ko-KR" dirty="0"/>
+              <a:t>Controller : Service</a:t>
+            </a:r>
+            <a:r>
+              <a:rPr lang="ko-KR" altLang="en-US" dirty="0"/>
+              <a:t>에서 최종 처리된 값을 넘겨받아 </a:t>
+            </a:r>
+            <a:r>
+              <a:rPr lang="en-US" altLang="ko-KR" dirty="0"/>
+              <a:t>View</a:t>
+            </a:r>
+            <a:r>
+              <a:rPr lang="ko-KR" altLang="en-US" dirty="0"/>
+              <a:t>로 넘기기 위한 단이며 </a:t>
+            </a:r>
+            <a:r>
+              <a:rPr lang="en-US" altLang="ko-KR" dirty="0"/>
+              <a:t>view</a:t>
+            </a:r>
+            <a:r>
+              <a:rPr lang="ko-KR" altLang="en-US" dirty="0"/>
+              <a:t>단과 </a:t>
+            </a:r>
+            <a:r>
+              <a:rPr lang="en-US" altLang="ko-KR" dirty="0"/>
+              <a:t>http method</a:t>
+            </a:r>
+            <a:r>
+              <a:rPr lang="ko-KR" altLang="en-US" dirty="0"/>
+              <a:t>를 통해 상호작용한다</a:t>
+            </a:r>
+            <a:r>
+              <a:rPr lang="en-US" altLang="ko-KR" dirty="0"/>
+              <a:t>.</a:t>
+            </a:r>
+          </a:p>
+          <a:p>
+            <a:pPr marL="0" indent="0">
+              <a:buNone/>
+            </a:pPr>
+            <a:endParaRPr lang="en-US" altLang="ko-KR" dirty="0"/>
+          </a:p>
+          <a:p>
+            <a:pPr marL="0" indent="0">
+              <a:buNone/>
+            </a:pPr>
+            <a:r>
+              <a:rPr lang="en-US" altLang="ko-KR" dirty="0"/>
+              <a:t>View : JSP(HTML) </a:t>
+            </a:r>
+            <a:r>
+              <a:rPr lang="ko-KR" altLang="en-US" dirty="0"/>
+              <a:t>문서로 </a:t>
+            </a:r>
+            <a:r>
+              <a:rPr lang="en-US" altLang="ko-KR" dirty="0"/>
+              <a:t>Controller</a:t>
+            </a:r>
+            <a:r>
+              <a:rPr lang="ko-KR" altLang="en-US" dirty="0"/>
+              <a:t>의 인자를 받아 사용자가 볼 수 있는 화면에 출력한다</a:t>
+            </a:r>
+            <a:r>
+              <a:rPr lang="en-US" altLang="ko-KR" dirty="0"/>
+              <a:t>.</a:t>
+            </a:r>
+          </a:p>
           <a:p>
             <a:pPr marL="0" indent="0">
               <a:buNone/>
@@ -5892,6 +7024,14 @@
               <a:rPr lang="en-US" altLang="ko-KR" dirty="0" err="1"/>
               <a:t>MyBatis</a:t>
             </a:r>
+            <a:r>
+              <a:rPr lang="ko-KR" altLang="en-US" dirty="0"/>
+              <a:t>란</a:t>
+            </a:r>
+            <a:r>
+              <a:rPr lang="en-US" altLang="ko-KR" dirty="0"/>
+              <a:t>?</a:t>
+            </a:r>
             <a:endParaRPr lang="ko-KR" altLang="en-US" dirty="0"/>
           </a:p>
         </p:txBody>
@@ -5912,12 +7052,531 @@
             <p:ph idx="1"/>
           </p:nvPr>
         </p:nvSpPr>
-        <p:spPr/>
-        <p:txBody>
-          <a:bodyPr/>
+        <p:spPr>
+          <a:xfrm>
+            <a:off x="192947" y="1825625"/>
+            <a:ext cx="11160853" cy="4935902"/>
+          </a:xfrm>
+        </p:spPr>
+        <p:txBody>
+          <a:bodyPr>
+            <a:normAutofit fontScale="92500" lnSpcReduction="20000"/>
+          </a:bodyPr>
           <a:lstStyle/>
           <a:p>
-            <a:endParaRPr lang="ko-KR" altLang="en-US"/>
+            <a:pPr marL="0" indent="0">
+              <a:buNone/>
+            </a:pPr>
+            <a:r>
+              <a:rPr lang="en-US" altLang="ko-KR" sz="2000" dirty="0" err="1"/>
+              <a:t>MyBatis</a:t>
+            </a:r>
+            <a:r>
+              <a:rPr lang="ko-KR" altLang="en-US" sz="2000" dirty="0"/>
+              <a:t>는 </a:t>
+            </a:r>
+            <a:r>
+              <a:rPr lang="en-US" altLang="ko-KR" sz="2000" dirty="0"/>
+              <a:t>DB</a:t>
+            </a:r>
+            <a:r>
+              <a:rPr lang="ko-KR" altLang="en-US" sz="2000" dirty="0"/>
+              <a:t>연동과 쿼리입력을 더 간단하게 만들어주는 프레임워크</a:t>
+            </a:r>
+            <a:endParaRPr lang="en-US" altLang="ko-KR" sz="2000" dirty="0"/>
+          </a:p>
+          <a:p>
+            <a:pPr marL="0" indent="0">
+              <a:buNone/>
+            </a:pPr>
+            <a:endParaRPr lang="en-US" altLang="ko-KR" sz="2000" dirty="0"/>
+          </a:p>
+          <a:p>
+            <a:pPr marL="0" indent="0">
+              <a:buNone/>
+            </a:pPr>
+            <a:r>
+              <a:rPr lang="ko-KR" altLang="en-US" sz="2000" dirty="0"/>
+              <a:t>순수 </a:t>
+            </a:r>
+            <a:r>
+              <a:rPr lang="en-US" altLang="ko-KR" sz="2000" dirty="0"/>
+              <a:t>JDBC </a:t>
+            </a:r>
+            <a:r>
+              <a:rPr lang="ko-KR" altLang="en-US" sz="2000" dirty="0"/>
+              <a:t>코드                                                  </a:t>
+            </a:r>
+            <a:r>
+              <a:rPr lang="en-US" altLang="ko-KR" sz="2000" dirty="0" err="1"/>
+              <a:t>MyBatis</a:t>
+            </a:r>
+            <a:r>
+              <a:rPr lang="en-US" altLang="ko-KR" sz="2000" dirty="0"/>
+              <a:t> </a:t>
+            </a:r>
+            <a:r>
+              <a:rPr lang="ko-KR" altLang="en-US" sz="2000" dirty="0"/>
+              <a:t>사용 시</a:t>
+            </a:r>
+            <a:endParaRPr lang="en-US" altLang="ko-KR" sz="2000" dirty="0"/>
+          </a:p>
+          <a:p>
+            <a:pPr marL="0" indent="0">
+              <a:buNone/>
+            </a:pPr>
+            <a:endParaRPr lang="en-US" altLang="ko-KR" sz="2000" dirty="0"/>
+          </a:p>
+          <a:p>
+            <a:pPr marL="0" indent="0">
+              <a:buNone/>
+            </a:pPr>
+            <a:endParaRPr lang="en-US" altLang="ko-KR" sz="2000" dirty="0"/>
+          </a:p>
+          <a:p>
+            <a:pPr marL="0" indent="0">
+              <a:buNone/>
+            </a:pPr>
+            <a:endParaRPr lang="en-US" altLang="ko-KR" sz="2000" dirty="0"/>
+          </a:p>
+          <a:p>
+            <a:pPr marL="0" indent="0">
+              <a:buNone/>
+            </a:pPr>
+            <a:endParaRPr lang="en-US" altLang="ko-KR" sz="2000" dirty="0"/>
+          </a:p>
+          <a:p>
+            <a:pPr marL="0" indent="0">
+              <a:buNone/>
+            </a:pPr>
+            <a:r>
+              <a:rPr lang="en-US" altLang="ko-KR" sz="2000" dirty="0"/>
+              <a:t>                                                   -&gt; </a:t>
+            </a:r>
+          </a:p>
+          <a:p>
+            <a:pPr marL="0" indent="0">
+              <a:buNone/>
+            </a:pPr>
+            <a:endParaRPr lang="en-US" altLang="ko-KR" sz="2000" dirty="0"/>
+          </a:p>
+          <a:p>
+            <a:pPr marL="0" indent="0">
+              <a:buNone/>
+            </a:pPr>
+            <a:endParaRPr lang="en-US" altLang="ko-KR" sz="2000" dirty="0"/>
+          </a:p>
+          <a:p>
+            <a:pPr marL="0" indent="0">
+              <a:buNone/>
+            </a:pPr>
+            <a:endParaRPr lang="en-US" altLang="ko-KR" sz="2000" dirty="0"/>
+          </a:p>
+          <a:p>
+            <a:pPr marL="0" indent="0">
+              <a:buNone/>
+            </a:pPr>
+            <a:endParaRPr lang="en-US" altLang="ko-KR" sz="2000" dirty="0"/>
+          </a:p>
+          <a:p>
+            <a:pPr marL="0" indent="0">
+              <a:buNone/>
+            </a:pPr>
+            <a:endParaRPr lang="en-US" altLang="ko-KR" sz="2000" dirty="0"/>
+          </a:p>
+          <a:p>
+            <a:pPr marL="0" indent="0">
+              <a:buNone/>
+            </a:pPr>
+            <a:r>
+              <a:rPr lang="ko-KR" altLang="en-US" sz="2000" dirty="0"/>
+              <a:t>순수 </a:t>
+            </a:r>
+            <a:r>
+              <a:rPr lang="en-US" altLang="ko-KR" sz="2000" dirty="0"/>
+              <a:t>JDBC </a:t>
+            </a:r>
+            <a:r>
+              <a:rPr lang="ko-KR" altLang="en-US" sz="2000" dirty="0"/>
+              <a:t>코드는 인자 처리를 </a:t>
+            </a:r>
+            <a:r>
+              <a:rPr lang="ko-KR" altLang="en-US" sz="2000" dirty="0" err="1"/>
+              <a:t>일일히</a:t>
+            </a:r>
+            <a:r>
+              <a:rPr lang="ko-KR" altLang="en-US" sz="2000" dirty="0"/>
+              <a:t> 해 주어야함</a:t>
+            </a:r>
+            <a:r>
+              <a:rPr lang="en-US" altLang="ko-KR" sz="2000" dirty="0"/>
+              <a:t>            </a:t>
+            </a:r>
+            <a:r>
+              <a:rPr lang="en-US" altLang="ko-KR" sz="2000" dirty="0" err="1"/>
+              <a:t>MyBatis</a:t>
+            </a:r>
+            <a:r>
+              <a:rPr lang="ko-KR" altLang="en-US" sz="2000" dirty="0"/>
+              <a:t>는 </a:t>
+            </a:r>
+            <a:r>
+              <a:rPr lang="en-US" altLang="ko-KR" sz="2000" dirty="0"/>
+              <a:t>DAO</a:t>
+            </a:r>
+            <a:r>
+              <a:rPr lang="ko-KR" altLang="en-US" sz="2000" dirty="0"/>
+              <a:t>에서 받은 인자로                                    </a:t>
+            </a:r>
+            <a:endParaRPr lang="en-US" altLang="ko-KR" sz="2000" dirty="0"/>
+          </a:p>
+          <a:p>
+            <a:pPr marL="0" indent="0">
+              <a:buNone/>
+            </a:pPr>
+            <a:r>
+              <a:rPr lang="ko-KR" altLang="en-US" sz="2000" dirty="0"/>
+              <a:t>                                                                            작성할 수 있다</a:t>
+            </a:r>
+            <a:r>
+              <a:rPr lang="en-US" altLang="ko-KR" sz="2000" dirty="0"/>
+              <a:t>.</a:t>
+            </a:r>
+          </a:p>
+        </p:txBody>
+      </p:sp>
+      <p:pic>
+        <p:nvPicPr>
+          <p:cNvPr id="6" name="그림 5">
+            <a:extLst>
+              <a:ext uri="{FF2B5EF4-FFF2-40B4-BE49-F238E27FC236}">
+                <a16:creationId xmlns:a16="http://schemas.microsoft.com/office/drawing/2014/main" id="{6A7006C8-1A66-47EA-B72C-5E10066EB0CA}"/>
+              </a:ext>
+            </a:extLst>
+          </p:cNvPr>
+          <p:cNvPicPr>
+            <a:picLocks noChangeAspect="1"/>
+          </p:cNvPicPr>
+          <p:nvPr/>
+        </p:nvPicPr>
+        <p:blipFill>
+          <a:blip r:embed="rId2"/>
+          <a:stretch>
+            <a:fillRect/>
+          </a:stretch>
+        </p:blipFill>
+        <p:spPr>
+          <a:xfrm>
+            <a:off x="192947" y="2785671"/>
+            <a:ext cx="5045401" cy="3275085"/>
+          </a:xfrm>
+          <a:prstGeom prst="rect">
+            <a:avLst/>
+          </a:prstGeom>
+        </p:spPr>
+      </p:pic>
+      <p:sp>
+        <p:nvSpPr>
+          <p:cNvPr id="7" name="TextBox 6">
+            <a:extLst>
+              <a:ext uri="{FF2B5EF4-FFF2-40B4-BE49-F238E27FC236}">
+                <a16:creationId xmlns:a16="http://schemas.microsoft.com/office/drawing/2014/main" id="{F74CCF66-0B35-4DD2-AC60-D3069A31D0C4}"/>
+              </a:ext>
+            </a:extLst>
+          </p:cNvPr>
+          <p:cNvSpPr txBox="1"/>
+          <p:nvPr/>
+        </p:nvSpPr>
+        <p:spPr>
+          <a:xfrm>
+            <a:off x="5883601" y="3197444"/>
+            <a:ext cx="6216242" cy="2031325"/>
+          </a:xfrm>
+          <a:prstGeom prst="rect">
+            <a:avLst/>
+          </a:prstGeom>
+          <a:solidFill>
+            <a:schemeClr val="bg2"/>
+          </a:solidFill>
+        </p:spPr>
+        <p:txBody>
+          <a:bodyPr wrap="square" rtlCol="0">
+            <a:spAutoFit/>
+          </a:bodyPr>
+          <a:lstStyle/>
+          <a:p>
+            <a:pPr algn="l"/>
+            <a:r>
+              <a:rPr lang="en-US" altLang="ko-KR" sz="1800" dirty="0">
+                <a:solidFill>
+                  <a:srgbClr val="79ABFF"/>
+                </a:solidFill>
+                <a:latin typeface="Consolas" panose="020B0609020204030204" pitchFamily="49" charset="0"/>
+              </a:rPr>
+              <a:t>&lt;</a:t>
+            </a:r>
+            <a:r>
+              <a:rPr lang="en-US" altLang="ko-KR" sz="1800" dirty="0">
+                <a:solidFill>
+                  <a:schemeClr val="accent1"/>
+                </a:solidFill>
+                <a:latin typeface="Consolas" panose="020B0609020204030204" pitchFamily="49" charset="0"/>
+              </a:rPr>
+              <a:t>select id</a:t>
+            </a:r>
+            <a:r>
+              <a:rPr lang="en-US" altLang="ko-KR" sz="1800" dirty="0">
+                <a:solidFill>
+                  <a:srgbClr val="D8D8D8"/>
+                </a:solidFill>
+                <a:latin typeface="Consolas" panose="020B0609020204030204" pitchFamily="49" charset="0"/>
+              </a:rPr>
+              <a:t>=</a:t>
+            </a:r>
+            <a:r>
+              <a:rPr lang="en-US" altLang="ko-KR" sz="1800" dirty="0">
+                <a:solidFill>
+                  <a:srgbClr val="FFC600"/>
+                </a:solidFill>
+                <a:latin typeface="Consolas" panose="020B0609020204030204" pitchFamily="49" charset="0"/>
+              </a:rPr>
+              <a:t>"</a:t>
+            </a:r>
+            <a:r>
+              <a:rPr lang="en-US" altLang="ko-KR" sz="1800" dirty="0" err="1">
+                <a:solidFill>
+                  <a:srgbClr val="FFC600"/>
+                </a:solidFill>
+                <a:latin typeface="Consolas" panose="020B0609020204030204" pitchFamily="49" charset="0"/>
+              </a:rPr>
+              <a:t>planView</a:t>
+            </a:r>
+            <a:r>
+              <a:rPr lang="en-US" altLang="ko-KR" sz="1800" dirty="0">
+                <a:solidFill>
+                  <a:srgbClr val="FFC600"/>
+                </a:solidFill>
+                <a:latin typeface="Consolas" panose="020B0609020204030204" pitchFamily="49" charset="0"/>
+              </a:rPr>
+              <a:t>" </a:t>
+            </a:r>
+            <a:r>
+              <a:rPr lang="en-US" altLang="ko-KR" sz="1800" dirty="0" err="1">
+                <a:solidFill>
+                  <a:schemeClr val="accent1"/>
+                </a:solidFill>
+                <a:latin typeface="Consolas" panose="020B0609020204030204" pitchFamily="49" charset="0"/>
+              </a:rPr>
+              <a:t>parameterType</a:t>
+            </a:r>
+            <a:r>
+              <a:rPr lang="en-US" altLang="ko-KR" sz="1800" dirty="0">
+                <a:solidFill>
+                  <a:srgbClr val="D8D8D8"/>
+                </a:solidFill>
+                <a:latin typeface="Consolas" panose="020B0609020204030204" pitchFamily="49" charset="0"/>
+              </a:rPr>
+              <a:t>=</a:t>
+            </a:r>
+            <a:r>
+              <a:rPr lang="en-US" altLang="ko-KR" sz="1800" dirty="0">
+                <a:solidFill>
+                  <a:srgbClr val="FFC600"/>
+                </a:solidFill>
+                <a:latin typeface="Consolas" panose="020B0609020204030204" pitchFamily="49" charset="0"/>
+              </a:rPr>
+              <a:t>"</a:t>
+            </a:r>
+            <a:r>
+              <a:rPr lang="en-US" altLang="ko-KR" sz="1800" dirty="0" err="1">
+                <a:solidFill>
+                  <a:srgbClr val="FFC600"/>
+                </a:solidFill>
+                <a:latin typeface="Consolas" panose="020B0609020204030204" pitchFamily="49" charset="0"/>
+              </a:rPr>
+              <a:t>com.gteam.planner.domain.PlanVO</a:t>
+            </a:r>
+            <a:r>
+              <a:rPr lang="en-US" altLang="ko-KR" sz="1800" dirty="0">
+                <a:solidFill>
+                  <a:srgbClr val="FFC600"/>
+                </a:solidFill>
+                <a:latin typeface="Consolas" panose="020B0609020204030204" pitchFamily="49" charset="0"/>
+              </a:rPr>
+              <a:t>" </a:t>
+            </a:r>
+            <a:r>
+              <a:rPr lang="en-US" altLang="ko-KR" sz="1800" dirty="0" err="1">
+                <a:solidFill>
+                  <a:schemeClr val="accent1"/>
+                </a:solidFill>
+                <a:latin typeface="Consolas" panose="020B0609020204030204" pitchFamily="49" charset="0"/>
+              </a:rPr>
+              <a:t>resultType</a:t>
+            </a:r>
+            <a:r>
+              <a:rPr lang="en-US" altLang="ko-KR" sz="1800" dirty="0">
+                <a:solidFill>
+                  <a:srgbClr val="D8D8D8"/>
+                </a:solidFill>
+                <a:latin typeface="Consolas" panose="020B0609020204030204" pitchFamily="49" charset="0"/>
+              </a:rPr>
+              <a:t>=</a:t>
+            </a:r>
+            <a:r>
+              <a:rPr lang="en-US" altLang="ko-KR" sz="1800" dirty="0">
+                <a:solidFill>
+                  <a:srgbClr val="FFC600"/>
+                </a:solidFill>
+                <a:latin typeface="Consolas" panose="020B0609020204030204" pitchFamily="49" charset="0"/>
+              </a:rPr>
+              <a:t>"</a:t>
+            </a:r>
+            <a:r>
+              <a:rPr lang="en-US" altLang="ko-KR" sz="1800" dirty="0" err="1">
+                <a:solidFill>
+                  <a:srgbClr val="FFC600"/>
+                </a:solidFill>
+                <a:latin typeface="Consolas" panose="020B0609020204030204" pitchFamily="49" charset="0"/>
+              </a:rPr>
+              <a:t>com.gteam.planner.domain.PlanVO</a:t>
+            </a:r>
+            <a:r>
+              <a:rPr lang="en-US" altLang="ko-KR" sz="1800" dirty="0">
+                <a:solidFill>
+                  <a:srgbClr val="FFC600"/>
+                </a:solidFill>
+                <a:latin typeface="Consolas" panose="020B0609020204030204" pitchFamily="49" charset="0"/>
+              </a:rPr>
+              <a:t>"</a:t>
+            </a:r>
+            <a:r>
+              <a:rPr lang="en-US" altLang="ko-KR" sz="1800" dirty="0">
+                <a:solidFill>
+                  <a:srgbClr val="79ABFF"/>
+                </a:solidFill>
+                <a:latin typeface="Consolas" panose="020B0609020204030204" pitchFamily="49" charset="0"/>
+              </a:rPr>
+              <a:t>&gt;</a:t>
+            </a:r>
+          </a:p>
+          <a:p>
+            <a:pPr algn="l"/>
+            <a:r>
+              <a:rPr lang="en-US" altLang="ko-KR" sz="1800" dirty="0">
+                <a:latin typeface="Consolas" panose="020B0609020204030204" pitchFamily="49" charset="0"/>
+              </a:rPr>
+              <a:t>SELECT </a:t>
+            </a:r>
+            <a:r>
+              <a:rPr lang="en-US" altLang="ko-KR" sz="1800" dirty="0" err="1">
+                <a:latin typeface="Consolas" panose="020B0609020204030204" pitchFamily="49" charset="0"/>
+              </a:rPr>
+              <a:t>planNo</a:t>
+            </a:r>
+            <a:r>
+              <a:rPr lang="en-US" altLang="ko-KR" sz="1800" dirty="0">
+                <a:latin typeface="Consolas" panose="020B0609020204030204" pitchFamily="49" charset="0"/>
+              </a:rPr>
+              <a:t>, </a:t>
+            </a:r>
+            <a:r>
+              <a:rPr lang="en-US" altLang="ko-KR" sz="1800" dirty="0" err="1">
+                <a:latin typeface="Consolas" panose="020B0609020204030204" pitchFamily="49" charset="0"/>
+              </a:rPr>
+              <a:t>userId</a:t>
+            </a:r>
+            <a:r>
+              <a:rPr lang="en-US" altLang="ko-KR" sz="1800" dirty="0">
+                <a:latin typeface="Consolas" panose="020B0609020204030204" pitchFamily="49" charset="0"/>
+              </a:rPr>
+              <a:t>, </a:t>
+            </a:r>
+            <a:r>
+              <a:rPr lang="en-US" altLang="ko-KR" sz="1800" dirty="0" err="1">
+                <a:latin typeface="Consolas" panose="020B0609020204030204" pitchFamily="49" charset="0"/>
+              </a:rPr>
+              <a:t>planTitle</a:t>
+            </a:r>
+            <a:r>
+              <a:rPr lang="en-US" altLang="ko-KR" sz="1800" dirty="0">
+                <a:latin typeface="Consolas" panose="020B0609020204030204" pitchFamily="49" charset="0"/>
+              </a:rPr>
+              <a:t> </a:t>
+            </a:r>
+          </a:p>
+          <a:p>
+            <a:pPr algn="l"/>
+            <a:r>
+              <a:rPr lang="en-US" altLang="ko-KR" sz="1800" dirty="0">
+                <a:latin typeface="Consolas" panose="020B0609020204030204" pitchFamily="49" charset="0"/>
+              </a:rPr>
+              <a:t> FROM plan </a:t>
+            </a:r>
+          </a:p>
+          <a:p>
+            <a:pPr algn="l"/>
+            <a:r>
+              <a:rPr lang="en-US" altLang="ko-KR" sz="1800" dirty="0">
+                <a:latin typeface="Consolas" panose="020B0609020204030204" pitchFamily="49" charset="0"/>
+              </a:rPr>
+              <a:t>WHERE </a:t>
+            </a:r>
+            <a:r>
+              <a:rPr lang="en-US" altLang="ko-KR" sz="1800" dirty="0" err="1">
+                <a:latin typeface="Consolas" panose="020B0609020204030204" pitchFamily="49" charset="0"/>
+              </a:rPr>
+              <a:t>userId</a:t>
+            </a:r>
+            <a:r>
+              <a:rPr lang="en-US" altLang="ko-KR" sz="1800" dirty="0">
+                <a:latin typeface="Consolas" panose="020B0609020204030204" pitchFamily="49" charset="0"/>
+              </a:rPr>
+              <a:t> = #{userId} AND </a:t>
+            </a:r>
+            <a:r>
+              <a:rPr lang="en-US" altLang="ko-KR" sz="1800" dirty="0" err="1">
+                <a:latin typeface="Consolas" panose="020B0609020204030204" pitchFamily="49" charset="0"/>
+              </a:rPr>
+              <a:t>planNo</a:t>
+            </a:r>
+            <a:r>
+              <a:rPr lang="en-US" altLang="ko-KR" sz="1800" dirty="0">
+                <a:latin typeface="Consolas" panose="020B0609020204030204" pitchFamily="49" charset="0"/>
+              </a:rPr>
+              <a:t> = #{planNo}</a:t>
+            </a:r>
+          </a:p>
+          <a:p>
+            <a:pPr algn="l"/>
+            <a:r>
+              <a:rPr lang="en-US" altLang="ko-KR" sz="1800" dirty="0">
+                <a:solidFill>
+                  <a:srgbClr val="79ABFF"/>
+                </a:solidFill>
+                <a:latin typeface="Consolas" panose="020B0609020204030204" pitchFamily="49" charset="0"/>
+              </a:rPr>
+              <a:t>&lt;/</a:t>
+            </a:r>
+            <a:r>
+              <a:rPr lang="en-US" altLang="ko-KR" sz="1800" dirty="0">
+                <a:solidFill>
+                  <a:schemeClr val="accent1"/>
+                </a:solidFill>
+                <a:latin typeface="Consolas" panose="020B0609020204030204" pitchFamily="49" charset="0"/>
+              </a:rPr>
+              <a:t>select</a:t>
+            </a:r>
+            <a:r>
+              <a:rPr lang="en-US" altLang="ko-KR" sz="1800" dirty="0">
+                <a:solidFill>
+                  <a:srgbClr val="79ABFF"/>
+                </a:solidFill>
+                <a:latin typeface="Consolas" panose="020B0609020204030204" pitchFamily="49" charset="0"/>
+              </a:rPr>
+              <a:t>&gt;</a:t>
+            </a:r>
+            <a:endParaRPr lang="ko-KR" altLang="en-US" dirty="0"/>
           </a:p>
         </p:txBody>
       </p:sp>

--- a/ppt/Spring, MVC패턴, MyBatis.pptx
+++ b/ppt/Spring, MVC패턴, MyBatis.pptx
@@ -268,7 +268,7 @@
           <a:p>
             <a:fld id="{67BDE472-DDC9-49E1-8195-98EB4794199C}" type="datetimeFigureOut">
               <a:rPr lang="ko-KR" altLang="en-US" smtClean="0"/>
-              <a:t>2021-07-18</a:t>
+              <a:t>2021-07-19</a:t>
             </a:fld>
             <a:endParaRPr lang="ko-KR" altLang="en-US"/>
           </a:p>
@@ -466,7 +466,7 @@
           <a:p>
             <a:fld id="{67BDE472-DDC9-49E1-8195-98EB4794199C}" type="datetimeFigureOut">
               <a:rPr lang="ko-KR" altLang="en-US" smtClean="0"/>
-              <a:t>2021-07-18</a:t>
+              <a:t>2021-07-19</a:t>
             </a:fld>
             <a:endParaRPr lang="ko-KR" altLang="en-US"/>
           </a:p>
@@ -674,7 +674,7 @@
           <a:p>
             <a:fld id="{67BDE472-DDC9-49E1-8195-98EB4794199C}" type="datetimeFigureOut">
               <a:rPr lang="ko-KR" altLang="en-US" smtClean="0"/>
-              <a:t>2021-07-18</a:t>
+              <a:t>2021-07-19</a:t>
             </a:fld>
             <a:endParaRPr lang="ko-KR" altLang="en-US"/>
           </a:p>
@@ -872,7 +872,7 @@
           <a:p>
             <a:fld id="{67BDE472-DDC9-49E1-8195-98EB4794199C}" type="datetimeFigureOut">
               <a:rPr lang="ko-KR" altLang="en-US" smtClean="0"/>
-              <a:t>2021-07-18</a:t>
+              <a:t>2021-07-19</a:t>
             </a:fld>
             <a:endParaRPr lang="ko-KR" altLang="en-US"/>
           </a:p>
@@ -1147,7 +1147,7 @@
           <a:p>
             <a:fld id="{67BDE472-DDC9-49E1-8195-98EB4794199C}" type="datetimeFigureOut">
               <a:rPr lang="ko-KR" altLang="en-US" smtClean="0"/>
-              <a:t>2021-07-18</a:t>
+              <a:t>2021-07-19</a:t>
             </a:fld>
             <a:endParaRPr lang="ko-KR" altLang="en-US"/>
           </a:p>
@@ -1412,7 +1412,7 @@
           <a:p>
             <a:fld id="{67BDE472-DDC9-49E1-8195-98EB4794199C}" type="datetimeFigureOut">
               <a:rPr lang="ko-KR" altLang="en-US" smtClean="0"/>
-              <a:t>2021-07-18</a:t>
+              <a:t>2021-07-19</a:t>
             </a:fld>
             <a:endParaRPr lang="ko-KR" altLang="en-US"/>
           </a:p>
@@ -1824,7 +1824,7 @@
           <a:p>
             <a:fld id="{67BDE472-DDC9-49E1-8195-98EB4794199C}" type="datetimeFigureOut">
               <a:rPr lang="ko-KR" altLang="en-US" smtClean="0"/>
-              <a:t>2021-07-18</a:t>
+              <a:t>2021-07-19</a:t>
             </a:fld>
             <a:endParaRPr lang="ko-KR" altLang="en-US"/>
           </a:p>
@@ -1965,7 +1965,7 @@
           <a:p>
             <a:fld id="{67BDE472-DDC9-49E1-8195-98EB4794199C}" type="datetimeFigureOut">
               <a:rPr lang="ko-KR" altLang="en-US" smtClean="0"/>
-              <a:t>2021-07-18</a:t>
+              <a:t>2021-07-19</a:t>
             </a:fld>
             <a:endParaRPr lang="ko-KR" altLang="en-US"/>
           </a:p>
@@ -2078,7 +2078,7 @@
           <a:p>
             <a:fld id="{67BDE472-DDC9-49E1-8195-98EB4794199C}" type="datetimeFigureOut">
               <a:rPr lang="ko-KR" altLang="en-US" smtClean="0"/>
-              <a:t>2021-07-18</a:t>
+              <a:t>2021-07-19</a:t>
             </a:fld>
             <a:endParaRPr lang="ko-KR" altLang="en-US"/>
           </a:p>
@@ -2389,7 +2389,7 @@
           <a:p>
             <a:fld id="{67BDE472-DDC9-49E1-8195-98EB4794199C}" type="datetimeFigureOut">
               <a:rPr lang="ko-KR" altLang="en-US" smtClean="0"/>
-              <a:t>2021-07-18</a:t>
+              <a:t>2021-07-19</a:t>
             </a:fld>
             <a:endParaRPr lang="ko-KR" altLang="en-US"/>
           </a:p>
@@ -2677,7 +2677,7 @@
           <a:p>
             <a:fld id="{67BDE472-DDC9-49E1-8195-98EB4794199C}" type="datetimeFigureOut">
               <a:rPr lang="ko-KR" altLang="en-US" smtClean="0"/>
-              <a:t>2021-07-18</a:t>
+              <a:t>2021-07-19</a:t>
             </a:fld>
             <a:endParaRPr lang="ko-KR" altLang="en-US"/>
           </a:p>
@@ -2918,7 +2918,7 @@
           <a:p>
             <a:fld id="{67BDE472-DDC9-49E1-8195-98EB4794199C}" type="datetimeFigureOut">
               <a:rPr lang="ko-KR" altLang="en-US" smtClean="0"/>
-              <a:t>2021-07-18</a:t>
+              <a:t>2021-07-19</a:t>
             </a:fld>
             <a:endParaRPr lang="ko-KR" altLang="en-US"/>
           </a:p>
@@ -4503,7 +4503,7 @@
         <p:spPr>
           <a:xfrm>
             <a:off x="755008" y="2416029"/>
-            <a:ext cx="5082333" cy="2585323"/>
+            <a:ext cx="5082333" cy="2031325"/>
           </a:xfrm>
           <a:prstGeom prst="rect">
             <a:avLst/>
@@ -4573,13 +4573,16 @@
                   <a:noFill/>
                 </a:ln>
                 <a:solidFill>
-                  <a:schemeClr val="accent6"/>
+                  <a:schemeClr val="tx1">
+                    <a:lumMod val="85000"/>
+                    <a:lumOff val="15000"/>
+                  </a:schemeClr>
                 </a:solidFill>
                 <a:effectLst/>
                 <a:latin typeface="Arial Unicode MS"/>
                 <a:ea typeface="Menlo"/>
               </a:rPr>
-              <a:t>//new </a:t>
+              <a:t>Car </a:t>
             </a:r>
             <a:r>
               <a:rPr kumimoji="0" lang="en-US" altLang="ko-KR" sz="1800" b="0" i="0" u="none" strike="noStrike" cap="none" normalizeH="0" baseline="0" dirty="0" err="1">
@@ -4587,13 +4590,16 @@
                   <a:noFill/>
                 </a:ln>
                 <a:solidFill>
-                  <a:schemeClr val="accent6"/>
+                  <a:schemeClr val="tx1">
+                    <a:lumMod val="85000"/>
+                    <a:lumOff val="15000"/>
+                  </a:schemeClr>
                 </a:solidFill>
                 <a:effectLst/>
                 <a:latin typeface="Arial Unicode MS"/>
                 <a:ea typeface="Menlo"/>
               </a:rPr>
-              <a:t>Electornic</a:t>
+              <a:t>car</a:t>
             </a:r>
             <a:r>
               <a:rPr kumimoji="0" lang="en-US" altLang="ko-KR" sz="1800" b="0" i="0" u="none" strike="noStrike" cap="none" normalizeH="0" baseline="0" dirty="0">
@@ -4601,30 +4607,119 @@
                   <a:noFill/>
                 </a:ln>
                 <a:solidFill>
-                  <a:schemeClr val="accent6"/>
+                  <a:schemeClr val="tx1">
+                    <a:lumMod val="85000"/>
+                    <a:lumOff val="15000"/>
+                  </a:schemeClr>
                 </a:solidFill>
                 <a:effectLst/>
                 <a:latin typeface="Arial Unicode MS"/>
                 <a:ea typeface="Menlo"/>
               </a:rPr>
-              <a:t>();</a:t>
-            </a:r>
-            <a:r>
-              <a:rPr kumimoji="0" lang="ko-KR" altLang="en-US" sz="1800" b="0" i="0" u="none" strike="noStrike" cap="none" normalizeH="0" baseline="0" dirty="0">
+              <a:t> = new </a:t>
+            </a:r>
+            <a:r>
+              <a:rPr kumimoji="0" lang="en-US" altLang="ko-KR" sz="1800" b="0" i="0" u="none" strike="noStrike" cap="none" normalizeH="0" baseline="0" dirty="0" err="1">
                 <a:ln>
                   <a:noFill/>
                 </a:ln>
                 <a:solidFill>
-                  <a:schemeClr val="accent6"/>
+                  <a:schemeClr val="tx1">
+                    <a:lumMod val="85000"/>
+                    <a:lumOff val="15000"/>
+                  </a:schemeClr>
                 </a:solidFill>
                 <a:effectLst/>
                 <a:latin typeface="Arial Unicode MS"/>
                 <a:ea typeface="Menlo"/>
               </a:rPr>
-              <a:t> 같이 객체를 생성해주어야 함</a:t>
+              <a:t>ElectricCar</a:t>
+            </a:r>
+            <a:r>
+              <a:rPr kumimoji="0" lang="en-US" altLang="ko-KR" sz="1800" b="0" i="0" u="none" strike="noStrike" cap="none" normalizeH="0" baseline="0" dirty="0">
+                <a:ln>
+                  <a:noFill/>
+                </a:ln>
+                <a:solidFill>
+                  <a:schemeClr val="tx1">
+                    <a:lumMod val="85000"/>
+                    <a:lumOff val="15000"/>
+                  </a:schemeClr>
+                </a:solidFill>
+                <a:effectLst/>
+                <a:latin typeface="Arial Unicode MS"/>
+                <a:ea typeface="Menlo"/>
+              </a:rPr>
+              <a:t>(); </a:t>
+            </a:r>
+            <a:r>
+              <a:rPr kumimoji="0" lang="en-US" altLang="ko-KR" sz="1800" b="0" i="0" u="none" strike="noStrike" cap="none" normalizeH="0" baseline="0" dirty="0">
+                <a:ln>
+                  <a:noFill/>
+                </a:ln>
+                <a:solidFill>
+                  <a:schemeClr val="accent6"/>
+                </a:solidFill>
+                <a:effectLst/>
+                <a:latin typeface="Arial Unicode MS"/>
+                <a:ea typeface="Menlo"/>
+              </a:rPr>
+              <a:t>// -&gt;</a:t>
+            </a:r>
+            <a:r>
+              <a:rPr kumimoji="0" lang="en-US" altLang="ko-KR" sz="1800" b="0" i="0" u="none" strike="noStrike" cap="none" normalizeH="0" dirty="0">
+                <a:ln>
+                  <a:noFill/>
+                </a:ln>
+                <a:solidFill>
+                  <a:schemeClr val="accent6"/>
+                </a:solidFill>
+                <a:effectLst/>
+                <a:latin typeface="Arial Unicode MS"/>
+                <a:ea typeface="Menlo"/>
+              </a:rPr>
+              <a:t> </a:t>
+            </a:r>
+            <a:r>
+              <a:rPr lang="en-US" altLang="ko-KR" dirty="0">
+                <a:solidFill>
+                  <a:schemeClr val="accent6"/>
+                </a:solidFill>
+                <a:latin typeface="Arial Unicode MS"/>
+                <a:ea typeface="Menlo"/>
+              </a:rPr>
+              <a:t>new </a:t>
+            </a:r>
+            <a:r>
+              <a:rPr kumimoji="0" lang="en-US" altLang="ko-KR" sz="1800" b="0" i="0" u="none" strike="noStrike" cap="none" normalizeH="0" dirty="0" err="1">
+                <a:ln>
+                  <a:noFill/>
+                </a:ln>
+                <a:solidFill>
+                  <a:schemeClr val="accent6"/>
+                </a:solidFill>
+                <a:effectLst/>
+                <a:latin typeface="Arial Unicode MS"/>
+                <a:ea typeface="Menlo"/>
+              </a:rPr>
+              <a:t>OilCar</a:t>
+            </a:r>
+            <a:r>
+              <a:rPr kumimoji="0" lang="en-US" altLang="ko-KR" sz="1800" b="0" i="0" u="none" strike="noStrike" cap="none" normalizeH="0" dirty="0">
+                <a:ln>
+                  <a:noFill/>
+                </a:ln>
+                <a:solidFill>
+                  <a:schemeClr val="accent6"/>
+                </a:solidFill>
+                <a:effectLst/>
+                <a:latin typeface="Arial Unicode MS"/>
+                <a:ea typeface="Menlo"/>
+              </a:rPr>
+              <a:t>();</a:t>
             </a:r>
             <a:br>
-              <a:rPr kumimoji="0" lang="ko-KR" altLang="en-US" sz="1800" b="0" i="0" u="none" strike="noStrike" cap="none" normalizeH="0" baseline="0" dirty="0">
+              <a:rPr kumimoji="0" lang="en-US" altLang="ko-KR" sz="1800" b="0" i="0" u="none" strike="noStrike" cap="none" normalizeH="0" baseline="0" dirty="0">
                 <a:ln>
                   <a:noFill/>
                 </a:ln>
@@ -4656,6 +4751,23 @@
               </a:rPr>
             </a:br>
             <a:r>
+              <a:rPr kumimoji="0" lang="en-US" altLang="ko-KR" sz="1800" b="0" i="0" u="none" strike="noStrike" cap="none" normalizeH="0" baseline="0" dirty="0" err="1">
+                <a:ln>
+                  <a:noFill/>
+                </a:ln>
+                <a:solidFill>
+                  <a:schemeClr val="tx1">
+                    <a:lumMod val="85000"/>
+                    <a:lumOff val="15000"/>
+                  </a:schemeClr>
+                </a:solidFill>
+                <a:effectLst/>
+                <a:latin typeface="Arial Unicode MS"/>
+                <a:ea typeface="Menlo"/>
+              </a:rPr>
+              <a:t>car.parking</a:t>
+            </a:r>
+            <a:r>
               <a:rPr kumimoji="0" lang="en-US" altLang="ko-KR" sz="1800" b="0" i="0" u="none" strike="noStrike" cap="none" normalizeH="0" baseline="0" dirty="0">
                 <a:ln>
                   <a:noFill/>
@@ -4670,142 +4782,10 @@
                 <a:latin typeface="Arial Unicode MS"/>
                 <a:ea typeface="Menlo"/>
               </a:rPr>
-              <a:t>Car </a:t>
-            </a:r>
-            <a:r>
-              <a:rPr kumimoji="0" lang="en-US" altLang="ko-KR" sz="1800" b="0" i="0" u="none" strike="noStrike" cap="none" normalizeH="0" baseline="0" dirty="0" err="1">
-                <a:ln>
-                  <a:noFill/>
-                </a:ln>
-                <a:solidFill>
-                  <a:schemeClr val="tx1">
-                    <a:lumMod val="85000"/>
-                    <a:lumOff val="15000"/>
-                  </a:schemeClr>
-                </a:solidFill>
-                <a:effectLst/>
-                <a:latin typeface="Arial Unicode MS"/>
-                <a:ea typeface="Menlo"/>
-              </a:rPr>
-              <a:t>car</a:t>
-            </a:r>
-            <a:r>
-              <a:rPr kumimoji="0" lang="en-US" altLang="ko-KR" sz="1800" b="0" i="0" u="none" strike="noStrike" cap="none" normalizeH="0" baseline="0" dirty="0">
-                <a:ln>
-                  <a:noFill/>
-                </a:ln>
-                <a:solidFill>
-                  <a:schemeClr val="tx1">
-                    <a:lumMod val="85000"/>
-                    <a:lumOff val="15000"/>
-                  </a:schemeClr>
-                </a:solidFill>
-                <a:effectLst/>
-                <a:latin typeface="Arial Unicode MS"/>
-                <a:ea typeface="Menlo"/>
-              </a:rPr>
-              <a:t> = new </a:t>
-            </a:r>
-            <a:r>
-              <a:rPr kumimoji="0" lang="en-US" altLang="ko-KR" sz="1800" b="0" i="0" u="none" strike="noStrike" cap="none" normalizeH="0" baseline="0" dirty="0" err="1">
-                <a:ln>
-                  <a:noFill/>
-                </a:ln>
-                <a:solidFill>
-                  <a:schemeClr val="tx1">
-                    <a:lumMod val="85000"/>
-                    <a:lumOff val="15000"/>
-                  </a:schemeClr>
-                </a:solidFill>
-                <a:effectLst/>
-                <a:latin typeface="Arial Unicode MS"/>
-                <a:ea typeface="Menlo"/>
-              </a:rPr>
-              <a:t>ElectricCar</a:t>
-            </a:r>
-            <a:r>
-              <a:rPr kumimoji="0" lang="en-US" altLang="ko-KR" sz="1800" b="0" i="0" u="none" strike="noStrike" cap="none" normalizeH="0" baseline="0" dirty="0">
-                <a:ln>
-                  <a:noFill/>
-                </a:ln>
-                <a:solidFill>
-                  <a:schemeClr val="tx1">
-                    <a:lumMod val="85000"/>
-                    <a:lumOff val="15000"/>
-                  </a:schemeClr>
-                </a:solidFill>
-                <a:effectLst/>
-                <a:latin typeface="Arial Unicode MS"/>
-                <a:ea typeface="Menlo"/>
-              </a:rPr>
-              <a:t>(); </a:t>
-            </a:r>
-            <a:r>
-              <a:rPr kumimoji="0" lang="en-US" altLang="ko-KR" sz="1800" b="0" i="0" u="none" strike="noStrike" cap="none" normalizeH="0" baseline="0" dirty="0">
-                <a:ln>
-                  <a:noFill/>
-                </a:ln>
-                <a:solidFill>
-                  <a:schemeClr val="accent6"/>
-                </a:solidFill>
-                <a:effectLst/>
-                <a:latin typeface="Arial Unicode MS"/>
-                <a:ea typeface="Menlo"/>
-              </a:rPr>
-              <a:t>// -&gt;</a:t>
-            </a:r>
-            <a:r>
-              <a:rPr kumimoji="0" lang="en-US" altLang="ko-KR" sz="1800" b="0" i="0" u="none" strike="noStrike" cap="none" normalizeH="0" dirty="0">
-                <a:ln>
-                  <a:noFill/>
-                </a:ln>
-                <a:solidFill>
-                  <a:schemeClr val="accent6"/>
-                </a:solidFill>
-                <a:effectLst/>
-                <a:latin typeface="Arial Unicode MS"/>
-                <a:ea typeface="Menlo"/>
-              </a:rPr>
-              <a:t> </a:t>
-            </a:r>
-            <a:r>
-              <a:rPr lang="en-US" altLang="ko-KR" dirty="0">
-                <a:solidFill>
-                  <a:schemeClr val="accent6"/>
-                </a:solidFill>
-                <a:latin typeface="Arial Unicode MS"/>
-                <a:ea typeface="Menlo"/>
-              </a:rPr>
-              <a:t>new </a:t>
-            </a:r>
-            <a:r>
-              <a:rPr kumimoji="0" lang="en-US" altLang="ko-KR" sz="1800" b="0" i="0" u="none" strike="noStrike" cap="none" normalizeH="0" dirty="0" err="1">
-                <a:ln>
-                  <a:noFill/>
-                </a:ln>
-                <a:solidFill>
-                  <a:schemeClr val="accent6"/>
-                </a:solidFill>
-                <a:effectLst/>
-                <a:latin typeface="Arial Unicode MS"/>
-                <a:ea typeface="Menlo"/>
-              </a:rPr>
-              <a:t>OilCar</a:t>
-            </a:r>
-            <a:r>
-              <a:rPr kumimoji="0" lang="en-US" altLang="ko-KR" sz="1800" b="0" i="0" u="none" strike="noStrike" cap="none" normalizeH="0" dirty="0">
-                <a:ln>
-                  <a:noFill/>
-                </a:ln>
-                <a:solidFill>
-                  <a:schemeClr val="accent6"/>
-                </a:solidFill>
-                <a:effectLst/>
-                <a:latin typeface="Arial Unicode MS"/>
-                <a:ea typeface="Menlo"/>
-              </a:rPr>
               <a:t>();</a:t>
             </a:r>
+          </a:p>
+          <a:p>
             <a:br>
               <a:rPr kumimoji="0" lang="en-US" altLang="ko-KR" sz="1800" b="0" i="0" u="none" strike="noStrike" cap="none" normalizeH="0" baseline="0" dirty="0">
                 <a:ln>
@@ -4822,7 +4802,7 @@
                 <a:ea typeface="Menlo"/>
               </a:rPr>
             </a:br>
-            <a:br>
+            <a:r>
               <a:rPr kumimoji="0" lang="en-US" altLang="ko-KR" sz="1800" b="0" i="0" u="none" strike="noStrike" cap="none" normalizeH="0" baseline="0" dirty="0">
                 <a:ln>
                   <a:noFill/>
@@ -4837,74 +4817,6 @@
                 <a:latin typeface="Arial Unicode MS"/>
                 <a:ea typeface="Menlo"/>
               </a:rPr>
-            </a:br>
-            <a:r>
-              <a:rPr kumimoji="0" lang="en-US" altLang="ko-KR" sz="1800" b="0" i="0" u="none" strike="noStrike" cap="none" normalizeH="0" baseline="0" dirty="0" err="1">
-                <a:ln>
-                  <a:noFill/>
-                </a:ln>
-                <a:solidFill>
-                  <a:schemeClr val="tx1">
-                    <a:lumMod val="85000"/>
-                    <a:lumOff val="15000"/>
-                  </a:schemeClr>
-                </a:solidFill>
-                <a:effectLst/>
-                <a:latin typeface="Arial Unicode MS"/>
-                <a:ea typeface="Menlo"/>
-              </a:rPr>
-              <a:t>car.parking</a:t>
-            </a:r>
-            <a:r>
-              <a:rPr kumimoji="0" lang="en-US" altLang="ko-KR" sz="1800" b="0" i="0" u="none" strike="noStrike" cap="none" normalizeH="0" baseline="0" dirty="0">
-                <a:ln>
-                  <a:noFill/>
-                </a:ln>
-                <a:solidFill>
-                  <a:schemeClr val="tx1">
-                    <a:lumMod val="85000"/>
-                    <a:lumOff val="15000"/>
-                  </a:schemeClr>
-                </a:solidFill>
-                <a:effectLst/>
-                <a:latin typeface="Arial Unicode MS"/>
-                <a:ea typeface="Menlo"/>
-              </a:rPr>
-              <a:t>();</a:t>
-            </a:r>
-          </a:p>
-          <a:p>
-            <a:br>
-              <a:rPr kumimoji="0" lang="en-US" altLang="ko-KR" sz="1800" b="0" i="0" u="none" strike="noStrike" cap="none" normalizeH="0" baseline="0" dirty="0">
-                <a:ln>
-                  <a:noFill/>
-                </a:ln>
-                <a:solidFill>
-                  <a:schemeClr val="tx1">
-                    <a:lumMod val="85000"/>
-                    <a:lumOff val="15000"/>
-                  </a:schemeClr>
-                </a:solidFill>
-                <a:effectLst/>
-                <a:latin typeface="Arial Unicode MS"/>
-                <a:ea typeface="Menlo"/>
-              </a:rPr>
-            </a:br>
-            <a:r>
-              <a:rPr kumimoji="0" lang="en-US" altLang="ko-KR" sz="1800" b="0" i="0" u="none" strike="noStrike" cap="none" normalizeH="0" baseline="0" dirty="0">
-                <a:ln>
-                  <a:noFill/>
-                </a:ln>
-                <a:solidFill>
-                  <a:schemeClr val="tx1">
-                    <a:lumMod val="85000"/>
-                    <a:lumOff val="15000"/>
-                  </a:schemeClr>
-                </a:solidFill>
-                <a:effectLst/>
-                <a:latin typeface="Arial Unicode MS"/>
-                <a:ea typeface="Menlo"/>
-              </a:rPr>
               <a:t>} </a:t>
             </a:r>
           </a:p>
@@ -4925,7 +4837,7 @@
         <p:spPr>
           <a:xfrm>
             <a:off x="5963872" y="2416029"/>
-            <a:ext cx="5389928" cy="2308324"/>
+            <a:ext cx="5389928" cy="2585323"/>
           </a:xfrm>
           <a:prstGeom prst="rect">
             <a:avLst/>
@@ -4984,6 +4896,10 @@
           </a:p>
           <a:p>
             <a:r>
+              <a:rPr lang="ko-KR" altLang="en-US" dirty="0"/>
+              <a:t>다른 코드 건드릴 필요 없이 </a:t>
+            </a:r>
+            <a:r>
               <a:rPr lang="en-US" altLang="ko-KR" dirty="0" err="1"/>
               <a:t>OilCar</a:t>
             </a:r>
@@ -5018,7 +4934,7 @@
             </a:r>
             <a:r>
               <a:rPr lang="ko-KR" altLang="en-US" dirty="0"/>
-              <a:t>라는 인터페이스에 상속받아 만들었기에 이런 변경이 가능해진다</a:t>
+              <a:t>라는 인터페이스에 상속받아 만들었기에 이런 변경이 가능하다</a:t>
             </a:r>
             <a:r>
               <a:rPr lang="en-US" altLang="ko-KR" dirty="0"/>
@@ -5152,7 +5068,7 @@
         <p:spPr>
           <a:xfrm>
             <a:off x="755008" y="2416029"/>
-            <a:ext cx="5082333" cy="2585323"/>
+            <a:ext cx="5082333" cy="2031325"/>
           </a:xfrm>
           <a:prstGeom prst="rect">
             <a:avLst/>
@@ -5185,7 +5101,7 @@
               <a:t>Public class Driver {</a:t>
             </a:r>
             <a:br>
-              <a:rPr kumimoji="0" lang="en-US" altLang="ko-KR" sz="1800" b="0" i="0" u="none" strike="noStrike" cap="none" normalizeH="0" baseline="0" dirty="0">
+              <a:rPr kumimoji="0" lang="ko-KR" altLang="en-US" sz="1800" b="0" i="0" u="none" strike="noStrike" cap="none" normalizeH="0" baseline="0" dirty="0">
                 <a:ln>
                   <a:noFill/>
                 </a:ln>
@@ -5222,13 +5138,16 @@
                   <a:noFill/>
                 </a:ln>
                 <a:solidFill>
-                  <a:schemeClr val="accent6"/>
+                  <a:schemeClr val="tx1">
+                    <a:lumMod val="85000"/>
+                    <a:lumOff val="15000"/>
+                  </a:schemeClr>
                 </a:solidFill>
                 <a:effectLst/>
                 <a:latin typeface="Arial Unicode MS"/>
                 <a:ea typeface="Menlo"/>
               </a:rPr>
-              <a:t>//new </a:t>
+              <a:t>Car </a:t>
             </a:r>
             <a:r>
               <a:rPr kumimoji="0" lang="en-US" altLang="ko-KR" sz="1800" b="0" i="0" u="none" strike="noStrike" cap="none" normalizeH="0" baseline="0" dirty="0" err="1">
@@ -5236,13 +5155,16 @@
                   <a:noFill/>
                 </a:ln>
                 <a:solidFill>
-                  <a:schemeClr val="accent6"/>
+                  <a:schemeClr val="tx1">
+                    <a:lumMod val="85000"/>
+                    <a:lumOff val="15000"/>
+                  </a:schemeClr>
                 </a:solidFill>
                 <a:effectLst/>
                 <a:latin typeface="Arial Unicode MS"/>
                 <a:ea typeface="Menlo"/>
               </a:rPr>
-              <a:t>Electornic</a:t>
+              <a:t>car</a:t>
             </a:r>
             <a:r>
               <a:rPr kumimoji="0" lang="en-US" altLang="ko-KR" sz="1800" b="0" i="0" u="none" strike="noStrike" cap="none" normalizeH="0" baseline="0" dirty="0">
@@ -5250,30 +5172,119 @@
                   <a:noFill/>
                 </a:ln>
                 <a:solidFill>
-                  <a:schemeClr val="accent6"/>
+                  <a:schemeClr val="tx1">
+                    <a:lumMod val="85000"/>
+                    <a:lumOff val="15000"/>
+                  </a:schemeClr>
                 </a:solidFill>
                 <a:effectLst/>
                 <a:latin typeface="Arial Unicode MS"/>
                 <a:ea typeface="Menlo"/>
               </a:rPr>
-              <a:t>();</a:t>
-            </a:r>
-            <a:r>
-              <a:rPr kumimoji="0" lang="ko-KR" altLang="en-US" sz="1800" b="0" i="0" u="none" strike="noStrike" cap="none" normalizeH="0" baseline="0" dirty="0">
+              <a:t> = new </a:t>
+            </a:r>
+            <a:r>
+              <a:rPr kumimoji="0" lang="en-US" altLang="ko-KR" sz="1800" b="0" i="0" u="none" strike="noStrike" cap="none" normalizeH="0" baseline="0" dirty="0" err="1">
                 <a:ln>
                   <a:noFill/>
                 </a:ln>
                 <a:solidFill>
-                  <a:schemeClr val="accent6"/>
+                  <a:schemeClr val="tx1">
+                    <a:lumMod val="85000"/>
+                    <a:lumOff val="15000"/>
+                  </a:schemeClr>
                 </a:solidFill>
                 <a:effectLst/>
                 <a:latin typeface="Arial Unicode MS"/>
                 <a:ea typeface="Menlo"/>
               </a:rPr>
-              <a:t> 같이 객체를 생성해주어야 함</a:t>
+              <a:t>ElectricCar</a:t>
+            </a:r>
+            <a:r>
+              <a:rPr kumimoji="0" lang="en-US" altLang="ko-KR" sz="1800" b="0" i="0" u="none" strike="noStrike" cap="none" normalizeH="0" baseline="0" dirty="0">
+                <a:ln>
+                  <a:noFill/>
+                </a:ln>
+                <a:solidFill>
+                  <a:schemeClr val="tx1">
+                    <a:lumMod val="85000"/>
+                    <a:lumOff val="15000"/>
+                  </a:schemeClr>
+                </a:solidFill>
+                <a:effectLst/>
+                <a:latin typeface="Arial Unicode MS"/>
+                <a:ea typeface="Menlo"/>
+              </a:rPr>
+              <a:t>(); </a:t>
+            </a:r>
+            <a:r>
+              <a:rPr kumimoji="0" lang="en-US" altLang="ko-KR" sz="1800" b="0" i="0" u="none" strike="noStrike" cap="none" normalizeH="0" baseline="0" dirty="0">
+                <a:ln>
+                  <a:noFill/>
+                </a:ln>
+                <a:solidFill>
+                  <a:schemeClr val="accent6"/>
+                </a:solidFill>
+                <a:effectLst/>
+                <a:latin typeface="Arial Unicode MS"/>
+                <a:ea typeface="Menlo"/>
+              </a:rPr>
+              <a:t>// -&gt;</a:t>
+            </a:r>
+            <a:r>
+              <a:rPr kumimoji="0" lang="en-US" altLang="ko-KR" sz="1800" b="0" i="0" u="none" strike="noStrike" cap="none" normalizeH="0" dirty="0">
+                <a:ln>
+                  <a:noFill/>
+                </a:ln>
+                <a:solidFill>
+                  <a:schemeClr val="accent6"/>
+                </a:solidFill>
+                <a:effectLst/>
+                <a:latin typeface="Arial Unicode MS"/>
+                <a:ea typeface="Menlo"/>
+              </a:rPr>
+              <a:t> </a:t>
+            </a:r>
+            <a:r>
+              <a:rPr lang="en-US" altLang="ko-KR" dirty="0">
+                <a:solidFill>
+                  <a:schemeClr val="accent6"/>
+                </a:solidFill>
+                <a:latin typeface="Arial Unicode MS"/>
+                <a:ea typeface="Menlo"/>
+              </a:rPr>
+              <a:t>new </a:t>
+            </a:r>
+            <a:r>
+              <a:rPr kumimoji="0" lang="en-US" altLang="ko-KR" sz="1800" b="0" i="0" u="none" strike="noStrike" cap="none" normalizeH="0" dirty="0" err="1">
+                <a:ln>
+                  <a:noFill/>
+                </a:ln>
+                <a:solidFill>
+                  <a:schemeClr val="accent6"/>
+                </a:solidFill>
+                <a:effectLst/>
+                <a:latin typeface="Arial Unicode MS"/>
+                <a:ea typeface="Menlo"/>
+              </a:rPr>
+              <a:t>OilCar</a:t>
+            </a:r>
+            <a:r>
+              <a:rPr kumimoji="0" lang="en-US" altLang="ko-KR" sz="1800" b="0" i="0" u="none" strike="noStrike" cap="none" normalizeH="0" dirty="0">
+                <a:ln>
+                  <a:noFill/>
+                </a:ln>
+                <a:solidFill>
+                  <a:schemeClr val="accent6"/>
+                </a:solidFill>
+                <a:effectLst/>
+                <a:latin typeface="Arial Unicode MS"/>
+                <a:ea typeface="Menlo"/>
+              </a:rPr>
+              <a:t>();</a:t>
             </a:r>
             <a:br>
-              <a:rPr kumimoji="0" lang="ko-KR" altLang="en-US" sz="1800" b="0" i="0" u="none" strike="noStrike" cap="none" normalizeH="0" baseline="0" dirty="0">
+              <a:rPr kumimoji="0" lang="en-US" altLang="ko-KR" sz="1800" b="0" i="0" u="none" strike="noStrike" cap="none" normalizeH="0" baseline="0" dirty="0">
                 <a:ln>
                   <a:noFill/>
                 </a:ln>
@@ -5305,6 +5316,23 @@
               </a:rPr>
             </a:br>
             <a:r>
+              <a:rPr kumimoji="0" lang="en-US" altLang="ko-KR" sz="1800" b="0" i="0" u="none" strike="noStrike" cap="none" normalizeH="0" baseline="0" dirty="0" err="1">
+                <a:ln>
+                  <a:noFill/>
+                </a:ln>
+                <a:solidFill>
+                  <a:schemeClr val="tx1">
+                    <a:lumMod val="85000"/>
+                    <a:lumOff val="15000"/>
+                  </a:schemeClr>
+                </a:solidFill>
+                <a:effectLst/>
+                <a:latin typeface="Arial Unicode MS"/>
+                <a:ea typeface="Menlo"/>
+              </a:rPr>
+              <a:t>car.parking</a:t>
+            </a:r>
+            <a:r>
               <a:rPr kumimoji="0" lang="en-US" altLang="ko-KR" sz="1800" b="0" i="0" u="none" strike="noStrike" cap="none" normalizeH="0" baseline="0" dirty="0">
                 <a:ln>
                   <a:noFill/>
@@ -5319,142 +5347,10 @@
                 <a:latin typeface="Arial Unicode MS"/>
                 <a:ea typeface="Menlo"/>
               </a:rPr>
-              <a:t>Car </a:t>
-            </a:r>
-            <a:r>
-              <a:rPr kumimoji="0" lang="en-US" altLang="ko-KR" sz="1800" b="0" i="0" u="none" strike="noStrike" cap="none" normalizeH="0" baseline="0" dirty="0" err="1">
-                <a:ln>
-                  <a:noFill/>
-                </a:ln>
-                <a:solidFill>
-                  <a:schemeClr val="tx1">
-                    <a:lumMod val="85000"/>
-                    <a:lumOff val="15000"/>
-                  </a:schemeClr>
-                </a:solidFill>
-                <a:effectLst/>
-                <a:latin typeface="Arial Unicode MS"/>
-                <a:ea typeface="Menlo"/>
-              </a:rPr>
-              <a:t>car</a:t>
-            </a:r>
-            <a:r>
-              <a:rPr kumimoji="0" lang="en-US" altLang="ko-KR" sz="1800" b="0" i="0" u="none" strike="noStrike" cap="none" normalizeH="0" baseline="0" dirty="0">
-                <a:ln>
-                  <a:noFill/>
-                </a:ln>
-                <a:solidFill>
-                  <a:schemeClr val="tx1">
-                    <a:lumMod val="85000"/>
-                    <a:lumOff val="15000"/>
-                  </a:schemeClr>
-                </a:solidFill>
-                <a:effectLst/>
-                <a:latin typeface="Arial Unicode MS"/>
-                <a:ea typeface="Menlo"/>
-              </a:rPr>
-              <a:t> = new </a:t>
-            </a:r>
-            <a:r>
-              <a:rPr kumimoji="0" lang="en-US" altLang="ko-KR" sz="1800" b="0" i="0" u="none" strike="noStrike" cap="none" normalizeH="0" baseline="0" dirty="0" err="1">
-                <a:ln>
-                  <a:noFill/>
-                </a:ln>
-                <a:solidFill>
-                  <a:schemeClr val="tx1">
-                    <a:lumMod val="85000"/>
-                    <a:lumOff val="15000"/>
-                  </a:schemeClr>
-                </a:solidFill>
-                <a:effectLst/>
-                <a:latin typeface="Arial Unicode MS"/>
-                <a:ea typeface="Menlo"/>
-              </a:rPr>
-              <a:t>ElectricCar</a:t>
-            </a:r>
-            <a:r>
-              <a:rPr kumimoji="0" lang="en-US" altLang="ko-KR" sz="1800" b="0" i="0" u="none" strike="noStrike" cap="none" normalizeH="0" baseline="0" dirty="0">
-                <a:ln>
-                  <a:noFill/>
-                </a:ln>
-                <a:solidFill>
-                  <a:schemeClr val="tx1">
-                    <a:lumMod val="85000"/>
-                    <a:lumOff val="15000"/>
-                  </a:schemeClr>
-                </a:solidFill>
-                <a:effectLst/>
-                <a:latin typeface="Arial Unicode MS"/>
-                <a:ea typeface="Menlo"/>
-              </a:rPr>
-              <a:t>(); </a:t>
-            </a:r>
-            <a:r>
-              <a:rPr kumimoji="0" lang="en-US" altLang="ko-KR" sz="1800" b="0" i="0" u="none" strike="noStrike" cap="none" normalizeH="0" baseline="0" dirty="0">
-                <a:ln>
-                  <a:noFill/>
-                </a:ln>
-                <a:solidFill>
-                  <a:schemeClr val="accent6"/>
-                </a:solidFill>
-                <a:effectLst/>
-                <a:latin typeface="Arial Unicode MS"/>
-                <a:ea typeface="Menlo"/>
-              </a:rPr>
-              <a:t>// -&gt;</a:t>
-            </a:r>
-            <a:r>
-              <a:rPr kumimoji="0" lang="en-US" altLang="ko-KR" sz="1800" b="0" i="0" u="none" strike="noStrike" cap="none" normalizeH="0" dirty="0">
-                <a:ln>
-                  <a:noFill/>
-                </a:ln>
-                <a:solidFill>
-                  <a:schemeClr val="accent6"/>
-                </a:solidFill>
-                <a:effectLst/>
-                <a:latin typeface="Arial Unicode MS"/>
-                <a:ea typeface="Menlo"/>
-              </a:rPr>
-              <a:t> </a:t>
-            </a:r>
-            <a:r>
-              <a:rPr lang="en-US" altLang="ko-KR" dirty="0">
-                <a:solidFill>
-                  <a:schemeClr val="accent6"/>
-                </a:solidFill>
-                <a:latin typeface="Arial Unicode MS"/>
-                <a:ea typeface="Menlo"/>
-              </a:rPr>
-              <a:t>new </a:t>
-            </a:r>
-            <a:r>
-              <a:rPr kumimoji="0" lang="en-US" altLang="ko-KR" sz="1800" b="0" i="0" u="none" strike="noStrike" cap="none" normalizeH="0" dirty="0" err="1">
-                <a:ln>
-                  <a:noFill/>
-                </a:ln>
-                <a:solidFill>
-                  <a:schemeClr val="accent6"/>
-                </a:solidFill>
-                <a:effectLst/>
-                <a:latin typeface="Arial Unicode MS"/>
-                <a:ea typeface="Menlo"/>
-              </a:rPr>
-              <a:t>OilCar</a:t>
-            </a:r>
-            <a:r>
-              <a:rPr kumimoji="0" lang="en-US" altLang="ko-KR" sz="1800" b="0" i="0" u="none" strike="noStrike" cap="none" normalizeH="0" dirty="0">
-                <a:ln>
-                  <a:noFill/>
-                </a:ln>
-                <a:solidFill>
-                  <a:schemeClr val="accent6"/>
-                </a:solidFill>
-                <a:effectLst/>
-                <a:latin typeface="Arial Unicode MS"/>
-                <a:ea typeface="Menlo"/>
-              </a:rPr>
               <a:t>();</a:t>
             </a:r>
+          </a:p>
+          <a:p>
             <a:br>
               <a:rPr kumimoji="0" lang="en-US" altLang="ko-KR" sz="1800" b="0" i="0" u="none" strike="noStrike" cap="none" normalizeH="0" baseline="0" dirty="0">
                 <a:ln>
@@ -5471,7 +5367,7 @@
                 <a:ea typeface="Menlo"/>
               </a:rPr>
             </a:br>
-            <a:br>
+            <a:r>
               <a:rPr kumimoji="0" lang="en-US" altLang="ko-KR" sz="1800" b="0" i="0" u="none" strike="noStrike" cap="none" normalizeH="0" baseline="0" dirty="0">
                 <a:ln>
                   <a:noFill/>
@@ -5486,74 +5382,6 @@
                 <a:latin typeface="Arial Unicode MS"/>
                 <a:ea typeface="Menlo"/>
               </a:rPr>
-            </a:br>
-            <a:r>
-              <a:rPr kumimoji="0" lang="en-US" altLang="ko-KR" sz="1800" b="0" i="0" u="none" strike="noStrike" cap="none" normalizeH="0" baseline="0" dirty="0" err="1">
-                <a:ln>
-                  <a:noFill/>
-                </a:ln>
-                <a:solidFill>
-                  <a:schemeClr val="tx1">
-                    <a:lumMod val="85000"/>
-                    <a:lumOff val="15000"/>
-                  </a:schemeClr>
-                </a:solidFill>
-                <a:effectLst/>
-                <a:latin typeface="Arial Unicode MS"/>
-                <a:ea typeface="Menlo"/>
-              </a:rPr>
-              <a:t>car.parking</a:t>
-            </a:r>
-            <a:r>
-              <a:rPr kumimoji="0" lang="en-US" altLang="ko-KR" sz="1800" b="0" i="0" u="none" strike="noStrike" cap="none" normalizeH="0" baseline="0" dirty="0">
-                <a:ln>
-                  <a:noFill/>
-                </a:ln>
-                <a:solidFill>
-                  <a:schemeClr val="tx1">
-                    <a:lumMod val="85000"/>
-                    <a:lumOff val="15000"/>
-                  </a:schemeClr>
-                </a:solidFill>
-                <a:effectLst/>
-                <a:latin typeface="Arial Unicode MS"/>
-                <a:ea typeface="Menlo"/>
-              </a:rPr>
-              <a:t>();</a:t>
-            </a:r>
-          </a:p>
-          <a:p>
-            <a:br>
-              <a:rPr kumimoji="0" lang="en-US" altLang="ko-KR" sz="1800" b="0" i="0" u="none" strike="noStrike" cap="none" normalizeH="0" baseline="0" dirty="0">
-                <a:ln>
-                  <a:noFill/>
-                </a:ln>
-                <a:solidFill>
-                  <a:schemeClr val="tx1">
-                    <a:lumMod val="85000"/>
-                    <a:lumOff val="15000"/>
-                  </a:schemeClr>
-                </a:solidFill>
-                <a:effectLst/>
-                <a:latin typeface="Arial Unicode MS"/>
-                <a:ea typeface="Menlo"/>
-              </a:rPr>
-            </a:br>
-            <a:r>
-              <a:rPr kumimoji="0" lang="en-US" altLang="ko-KR" sz="1800" b="0" i="0" u="none" strike="noStrike" cap="none" normalizeH="0" baseline="0" dirty="0">
-                <a:ln>
-                  <a:noFill/>
-                </a:ln>
-                <a:solidFill>
-                  <a:schemeClr val="tx1">
-                    <a:lumMod val="85000"/>
-                    <a:lumOff val="15000"/>
-                  </a:schemeClr>
-                </a:solidFill>
-                <a:effectLst/>
-                <a:latin typeface="Arial Unicode MS"/>
-                <a:ea typeface="Menlo"/>
-              </a:rPr>
               <a:t>} </a:t>
             </a:r>
           </a:p>
@@ -5574,7 +5402,7 @@
         <p:spPr>
           <a:xfrm>
             <a:off x="6047064" y="1690688"/>
-            <a:ext cx="5389928" cy="3693319"/>
+            <a:ext cx="5389928" cy="4247317"/>
           </a:xfrm>
           <a:prstGeom prst="rect">
             <a:avLst/>
@@ -5600,9 +5428,12 @@
             </a:r>
             <a:r>
               <a:rPr lang="ko-KR" altLang="en-US" dirty="0"/>
-              <a:t>클래스의 내부 소스를 건드려야 함</a:t>
-            </a:r>
-            <a:endParaRPr lang="en-US" altLang="ko-KR" dirty="0"/>
+              <a:t>클래스의 소스를 건드리게 된다</a:t>
+            </a:r>
+            <a:r>
+              <a:rPr lang="en-US" altLang="ko-KR" dirty="0"/>
+              <a:t>.</a:t>
+            </a:r>
           </a:p>
           <a:p>
             <a:endParaRPr lang="en-US" altLang="ko-KR" dirty="0"/>
@@ -5672,12 +5503,9 @@
             </a:r>
             <a:r>
               <a:rPr lang="ko-KR" altLang="en-US" dirty="0"/>
-              <a:t>어떤 배우가 역할을 맡든 연극진행에는 지장이 없어야 함</a:t>
-            </a:r>
-            <a:r>
-              <a:rPr lang="en-US" altLang="ko-KR" dirty="0"/>
-              <a:t>.</a:t>
-            </a:r>
+              <a:t>어떤 배우가 역할을 맡든 연극진행에는 지장이 없어야 하지만</a:t>
+            </a:r>
+            <a:endParaRPr lang="en-US" altLang="ko-KR" dirty="0"/>
           </a:p>
           <a:p>
             <a:r>
@@ -5706,7 +5534,15 @@
             </a:r>
             <a:r>
               <a:rPr lang="ko-KR" altLang="en-US" dirty="0"/>
-              <a:t>형태</a:t>
+              <a:t>형태임</a:t>
+            </a:r>
+            <a:r>
+              <a:rPr lang="en-US" altLang="ko-KR" dirty="0"/>
+              <a:t>, </a:t>
+            </a:r>
+            <a:r>
+              <a:rPr lang="ko-KR" altLang="en-US" dirty="0"/>
+              <a:t>배우가 아니라 역할을 지목하고 있는 것이 이상적인 코드</a:t>
             </a:r>
             <a:endParaRPr lang="en-US" altLang="ko-KR" dirty="0"/>
           </a:p>
@@ -6182,7 +6018,7 @@
         <p:spPr>
           <a:xfrm>
             <a:off x="6195967" y="2277529"/>
-            <a:ext cx="5590565" cy="3970318"/>
+            <a:ext cx="5590565" cy="4247317"/>
           </a:xfrm>
           <a:prstGeom prst="rect">
             <a:avLst/>
@@ -6246,12 +6082,24 @@
               <a:t>이것이 스프링의 핵심 기술인 </a:t>
             </a:r>
             <a:r>
-              <a:rPr lang="en-US" altLang="ko-KR" dirty="0"/>
+              <a:rPr lang="en-US" altLang="ko-KR" b="1" dirty="0"/>
               <a:t>DI </a:t>
             </a:r>
             <a:r>
-              <a:rPr lang="ko-KR" altLang="en-US" dirty="0"/>
-              <a:t>컨테이너 기술이며 이 덕분에 스프링의 강력한 기능들을 사용할 수 있음</a:t>
+              <a:rPr lang="ko-KR" altLang="en-US" b="1" dirty="0"/>
+              <a:t>컨테이너</a:t>
+            </a:r>
+            <a:r>
+              <a:rPr lang="ko-KR" altLang="en-US" dirty="0"/>
+              <a:t> 기술이며 이 덕분에 </a:t>
+            </a:r>
+            <a:r>
+              <a:rPr lang="ko-KR" altLang="en-US"/>
+              <a:t>스프링의 유연하고 강력한 </a:t>
+            </a:r>
+            <a:r>
+              <a:rPr lang="ko-KR" altLang="en-US" dirty="0"/>
+              <a:t>기능들을 사용할 수 있음</a:t>
             </a:r>
             <a:endParaRPr lang="en-US" altLang="ko-KR" dirty="0"/>
           </a:p>
@@ -6427,11 +6275,7 @@
             </a:r>
             <a:r>
               <a:rPr lang="ko-KR" altLang="en-US" sz="2400" dirty="0"/>
-              <a:t>별도 웹 서버 설치와 세팅이 </a:t>
-            </a:r>
-            <a:r>
-              <a:rPr lang="ko-KR" altLang="en-US" sz="2400" dirty="0" err="1"/>
-              <a:t>필요없어짐</a:t>
+              <a:t>별도 웹 서버 설치와 세팅 과정 간소화됨</a:t>
             </a:r>
             <a:endParaRPr lang="en-US" altLang="ko-KR" sz="2400" dirty="0"/>
           </a:p>
@@ -6803,11 +6647,40 @@
         <p:spPr/>
         <p:txBody>
           <a:bodyPr>
-            <a:normAutofit fontScale="92500" lnSpcReduction="10000"/>
+            <a:normAutofit fontScale="62500" lnSpcReduction="20000"/>
           </a:bodyPr>
           <a:lstStyle/>
           <a:p>
             <a:pPr marL="0" indent="0">
+              <a:lnSpc>
+                <a:spcPct val="120000"/>
+              </a:lnSpc>
+              <a:buNone/>
+            </a:pPr>
+            <a:r>
+              <a:rPr lang="en-US" altLang="ko-KR" dirty="0"/>
+              <a:t>VO (DTO) : </a:t>
+            </a:r>
+            <a:r>
+              <a:rPr lang="ko-KR" altLang="en-US" dirty="0"/>
+              <a:t>서비스를 구성할 값들을 자바형태로 사용하기 위해 필요한 클래스</a:t>
+            </a:r>
+            <a:endParaRPr lang="en-US" altLang="ko-KR" dirty="0"/>
+          </a:p>
+          <a:p>
+            <a:pPr marL="0" indent="0">
+              <a:lnSpc>
+                <a:spcPct val="120000"/>
+              </a:lnSpc>
+              <a:buNone/>
+            </a:pPr>
+            <a:endParaRPr lang="en-US" altLang="ko-KR" dirty="0"/>
+          </a:p>
+          <a:p>
+            <a:pPr marL="0" indent="0">
+              <a:lnSpc>
+                <a:spcPct val="120000"/>
+              </a:lnSpc>
               <a:buNone/>
             </a:pPr>
             <a:r>
@@ -6881,7 +6754,20 @@
               <a:rPr lang="ko-KR" altLang="en-US" dirty="0" err="1"/>
               <a:t>로직단</a:t>
             </a:r>
+            <a:r>
+              <a:rPr lang="ko-KR" altLang="en-US" dirty="0"/>
+              <a:t> </a:t>
+            </a:r>
             <a:endParaRPr lang="en-US" altLang="ko-KR" dirty="0"/>
+          </a:p>
+          <a:p>
+            <a:pPr marL="0" indent="0">
+              <a:buNone/>
+            </a:pPr>
+            <a:r>
+              <a:rPr lang="en-US" altLang="ko-KR" dirty="0"/>
+              <a:t>(DAO + Service + VO(DTO) = Model)</a:t>
+            </a:r>
           </a:p>
           <a:p>
             <a:pPr marL="0" indent="0">
@@ -6891,6 +6777,9 @@
           </a:p>
           <a:p>
             <a:pPr marL="0" indent="0">
+              <a:lnSpc>
+                <a:spcPct val="120000"/>
+              </a:lnSpc>
               <a:buNone/>
             </a:pPr>
             <a:r>
@@ -6938,6 +6827,9 @@
           </a:p>
           <a:p>
             <a:pPr marL="0" indent="0">
+              <a:lnSpc>
+                <a:spcPct val="120000"/>
+              </a:lnSpc>
               <a:buNone/>
             </a:pPr>
             <a:r>
@@ -6954,7 +6846,15 @@
             </a:r>
             <a:r>
               <a:rPr lang="ko-KR" altLang="en-US" dirty="0"/>
-              <a:t>의 인자를 받아 사용자가 볼 수 있는 화면에 출력한다</a:t>
+              <a:t>의 인자를 받아 사용자가 </a:t>
+            </a:r>
+            <a:r>
+              <a:rPr lang="ko-KR" altLang="en-US" dirty="0" err="1"/>
+              <a:t>보게되는</a:t>
+            </a:r>
+            <a:r>
+              <a:rPr lang="ko-KR" altLang="en-US" dirty="0"/>
+              <a:t> 화면에 출력한다</a:t>
             </a:r>
             <a:r>
               <a:rPr lang="en-US" altLang="ko-KR" dirty="0"/>
